--- a/Figures/RNN.pptx
+++ b/Figures/RNN.pptx
@@ -9,10 +9,11 @@
     <p:sldId id="257" r:id="rId3"/>
     <p:sldId id="258" r:id="rId4"/>
     <p:sldId id="259" r:id="rId5"/>
-    <p:sldId id="260" r:id="rId6"/>
-    <p:sldId id="261" r:id="rId7"/>
-    <p:sldId id="262" r:id="rId8"/>
-    <p:sldId id="263" r:id="rId9"/>
+    <p:sldId id="264" r:id="rId6"/>
+    <p:sldId id="260" r:id="rId7"/>
+    <p:sldId id="261" r:id="rId8"/>
+    <p:sldId id="262" r:id="rId9"/>
+    <p:sldId id="263" r:id="rId10"/>
   </p:sldIdLst>
   <p:sldSz cx="12192000" cy="6858000"/>
   <p:notesSz cx="6858000" cy="9144000"/>
@@ -266,7 +267,7 @@
           <a:p>
             <a:fld id="{1DC251BB-2ABB-4750-A92C-617A645D3CB2}" type="datetimeFigureOut">
               <a:rPr lang="en-US" smtClean="0"/>
-              <a:t>9/26/2023</a:t>
+              <a:t>4/17/2024</a:t>
             </a:fld>
             <a:endParaRPr lang="en-US"/>
           </a:p>
@@ -464,7 +465,7 @@
           <a:p>
             <a:fld id="{1DC251BB-2ABB-4750-A92C-617A645D3CB2}" type="datetimeFigureOut">
               <a:rPr lang="en-US" smtClean="0"/>
-              <a:t>9/26/2023</a:t>
+              <a:t>4/17/2024</a:t>
             </a:fld>
             <a:endParaRPr lang="en-US"/>
           </a:p>
@@ -672,7 +673,7 @@
           <a:p>
             <a:fld id="{1DC251BB-2ABB-4750-A92C-617A645D3CB2}" type="datetimeFigureOut">
               <a:rPr lang="en-US" smtClean="0"/>
-              <a:t>9/26/2023</a:t>
+              <a:t>4/17/2024</a:t>
             </a:fld>
             <a:endParaRPr lang="en-US"/>
           </a:p>
@@ -870,7 +871,7 @@
           <a:p>
             <a:fld id="{1DC251BB-2ABB-4750-A92C-617A645D3CB2}" type="datetimeFigureOut">
               <a:rPr lang="en-US" smtClean="0"/>
-              <a:t>9/26/2023</a:t>
+              <a:t>4/17/2024</a:t>
             </a:fld>
             <a:endParaRPr lang="en-US"/>
           </a:p>
@@ -1145,7 +1146,7 @@
           <a:p>
             <a:fld id="{1DC251BB-2ABB-4750-A92C-617A645D3CB2}" type="datetimeFigureOut">
               <a:rPr lang="en-US" smtClean="0"/>
-              <a:t>9/26/2023</a:t>
+              <a:t>4/17/2024</a:t>
             </a:fld>
             <a:endParaRPr lang="en-US"/>
           </a:p>
@@ -1410,7 +1411,7 @@
           <a:p>
             <a:fld id="{1DC251BB-2ABB-4750-A92C-617A645D3CB2}" type="datetimeFigureOut">
               <a:rPr lang="en-US" smtClean="0"/>
-              <a:t>9/26/2023</a:t>
+              <a:t>4/17/2024</a:t>
             </a:fld>
             <a:endParaRPr lang="en-US"/>
           </a:p>
@@ -1822,7 +1823,7 @@
           <a:p>
             <a:fld id="{1DC251BB-2ABB-4750-A92C-617A645D3CB2}" type="datetimeFigureOut">
               <a:rPr lang="en-US" smtClean="0"/>
-              <a:t>9/26/2023</a:t>
+              <a:t>4/17/2024</a:t>
             </a:fld>
             <a:endParaRPr lang="en-US"/>
           </a:p>
@@ -1963,7 +1964,7 @@
           <a:p>
             <a:fld id="{1DC251BB-2ABB-4750-A92C-617A645D3CB2}" type="datetimeFigureOut">
               <a:rPr lang="en-US" smtClean="0"/>
-              <a:t>9/26/2023</a:t>
+              <a:t>4/17/2024</a:t>
             </a:fld>
             <a:endParaRPr lang="en-US"/>
           </a:p>
@@ -2076,7 +2077,7 @@
           <a:p>
             <a:fld id="{1DC251BB-2ABB-4750-A92C-617A645D3CB2}" type="datetimeFigureOut">
               <a:rPr lang="en-US" smtClean="0"/>
-              <a:t>9/26/2023</a:t>
+              <a:t>4/17/2024</a:t>
             </a:fld>
             <a:endParaRPr lang="en-US"/>
           </a:p>
@@ -2387,7 +2388,7 @@
           <a:p>
             <a:fld id="{1DC251BB-2ABB-4750-A92C-617A645D3CB2}" type="datetimeFigureOut">
               <a:rPr lang="en-US" smtClean="0"/>
-              <a:t>9/26/2023</a:t>
+              <a:t>4/17/2024</a:t>
             </a:fld>
             <a:endParaRPr lang="en-US"/>
           </a:p>
@@ -2675,7 +2676,7 @@
           <a:p>
             <a:fld id="{1DC251BB-2ABB-4750-A92C-617A645D3CB2}" type="datetimeFigureOut">
               <a:rPr lang="en-US" smtClean="0"/>
-              <a:t>9/26/2023</a:t>
+              <a:t>4/17/2024</a:t>
             </a:fld>
             <a:endParaRPr lang="en-US"/>
           </a:p>
@@ -2916,7 +2917,7 @@
           <a:p>
             <a:fld id="{1DC251BB-2ABB-4750-A92C-617A645D3CB2}" type="datetimeFigureOut">
               <a:rPr lang="en-US" smtClean="0"/>
-              <a:t>9/26/2023</a:t>
+              <a:t>4/17/2024</a:t>
             </a:fld>
             <a:endParaRPr lang="en-US"/>
           </a:p>
@@ -18453,6 +18454,3585 @@
   <p:cSld>
     <p:spTree>
       <p:nvGrpSpPr>
+        <p:cNvPr id="1" name="">
+          <a:extLst>
+            <a:ext uri="{FF2B5EF4-FFF2-40B4-BE49-F238E27FC236}">
+              <a16:creationId xmlns:a16="http://schemas.microsoft.com/office/drawing/2014/main" id="{1854936D-7D21-EEBF-261C-BC78496C21BD}"/>
+            </a:ext>
+          </a:extLst>
+        </p:cNvPr>
+        <p:cNvGrpSpPr/>
+        <p:nvPr/>
+      </p:nvGrpSpPr>
+      <p:grpSpPr>
+        <a:xfrm>
+          <a:off x="0" y="0"/>
+          <a:ext cx="0" cy="0"/>
+          <a:chOff x="0" y="0"/>
+          <a:chExt cx="0" cy="0"/>
+        </a:xfrm>
+      </p:grpSpPr>
+      <mc:AlternateContent xmlns:mc="http://schemas.openxmlformats.org/markup-compatibility/2006" xmlns:a14="http://schemas.microsoft.com/office/drawing/2010/main">
+        <mc:Choice Requires="a14">
+          <p:sp>
+            <p:nvSpPr>
+              <p:cNvPr id="4" name="TextBox 3">
+                <a:extLst>
+                  <a:ext uri="{FF2B5EF4-FFF2-40B4-BE49-F238E27FC236}">
+                    <a16:creationId xmlns:a16="http://schemas.microsoft.com/office/drawing/2014/main" id="{C5C455CF-9F4A-84BB-CD27-9B386CEFEF5E}"/>
+                  </a:ext>
+                </a:extLst>
+              </p:cNvPr>
+              <p:cNvSpPr txBox="1"/>
+              <p:nvPr/>
+            </p:nvSpPr>
+            <p:spPr>
+              <a:xfrm>
+                <a:off x="4303314" y="3631597"/>
+                <a:ext cx="193193" cy="276999"/>
+              </a:xfrm>
+              <a:prstGeom prst="rect">
+                <a:avLst/>
+              </a:prstGeom>
+              <a:noFill/>
+              <a:ln>
+                <a:solidFill>
+                  <a:schemeClr val="tx1"/>
+                </a:solidFill>
+              </a:ln>
+            </p:spPr>
+            <p:txBody>
+              <a:bodyPr wrap="none" lIns="0" tIns="0" rIns="0" bIns="0" rtlCol="0">
+                <a:spAutoFit/>
+              </a:bodyPr>
+              <a:lstStyle/>
+              <a:p>
+                <a:pPr/>
+                <a14:m>
+                  <m:oMathPara xmlns:m="http://schemas.openxmlformats.org/officeDocument/2006/math">
+                    <m:oMathParaPr>
+                      <m:jc m:val="centerGroup"/>
+                    </m:oMathParaPr>
+                    <m:oMath xmlns:m="http://schemas.openxmlformats.org/officeDocument/2006/math">
+                      <m:r>
+                        <a:rPr lang="en-US" b="0" i="1" smtClean="0">
+                          <a:latin typeface="Cambria Math" panose="02040503050406030204" pitchFamily="18" charset="0"/>
+                        </a:rPr>
+                        <m:t>𝜎</m:t>
+                      </m:r>
+                    </m:oMath>
+                  </m:oMathPara>
+                </a14:m>
+                <a:endParaRPr lang="en-US" dirty="0"/>
+              </a:p>
+            </p:txBody>
+          </p:sp>
+        </mc:Choice>
+        <mc:Fallback xmlns="">
+          <p:sp>
+            <p:nvSpPr>
+              <p:cNvPr id="4" name="TextBox 3">
+                <a:extLst>
+                  <a:ext uri="{FF2B5EF4-FFF2-40B4-BE49-F238E27FC236}">
+                    <a16:creationId xmlns:a16="http://schemas.microsoft.com/office/drawing/2014/main" id="{36D58DD1-B202-15AB-04A2-317783D609E5}"/>
+                  </a:ext>
+                </a:extLst>
+              </p:cNvPr>
+              <p:cNvSpPr txBox="1">
+                <a:spLocks noRot="1" noChangeAspect="1" noMove="1" noResize="1" noEditPoints="1" noAdjustHandles="1" noChangeArrowheads="1" noChangeShapeType="1" noTextEdit="1"/>
+              </p:cNvSpPr>
+              <p:nvPr/>
+            </p:nvSpPr>
+            <p:spPr>
+              <a:xfrm>
+                <a:off x="4303314" y="3631597"/>
+                <a:ext cx="193193" cy="276999"/>
+              </a:xfrm>
+              <a:prstGeom prst="rect">
+                <a:avLst/>
+              </a:prstGeom>
+              <a:blipFill>
+                <a:blip r:embed="rId2"/>
+                <a:stretch>
+                  <a:fillRect l="-14706" r="-8824"/>
+                </a:stretch>
+              </a:blipFill>
+              <a:ln>
+                <a:solidFill>
+                  <a:schemeClr val="tx1"/>
+                </a:solidFill>
+              </a:ln>
+            </p:spPr>
+            <p:txBody>
+              <a:bodyPr/>
+              <a:lstStyle/>
+              <a:p>
+                <a:r>
+                  <a:rPr lang="en-US">
+                    <a:noFill/>
+                  </a:rPr>
+                  <a:t> </a:t>
+                </a:r>
+              </a:p>
+            </p:txBody>
+          </p:sp>
+        </mc:Fallback>
+      </mc:AlternateContent>
+      <mc:AlternateContent xmlns:mc="http://schemas.openxmlformats.org/markup-compatibility/2006" xmlns:a14="http://schemas.microsoft.com/office/drawing/2010/main">
+        <mc:Choice Requires="a14">
+          <p:sp>
+            <p:nvSpPr>
+              <p:cNvPr id="5" name="TextBox 4">
+                <a:extLst>
+                  <a:ext uri="{FF2B5EF4-FFF2-40B4-BE49-F238E27FC236}">
+                    <a16:creationId xmlns:a16="http://schemas.microsoft.com/office/drawing/2014/main" id="{3FF9B5F9-27A1-D50C-DD71-4A071F044BA8}"/>
+                  </a:ext>
+                </a:extLst>
+              </p:cNvPr>
+              <p:cNvSpPr txBox="1"/>
+              <p:nvPr/>
+            </p:nvSpPr>
+            <p:spPr>
+              <a:xfrm>
+                <a:off x="4750402" y="3631597"/>
+                <a:ext cx="193193" cy="276999"/>
+              </a:xfrm>
+              <a:prstGeom prst="rect">
+                <a:avLst/>
+              </a:prstGeom>
+              <a:noFill/>
+              <a:ln>
+                <a:solidFill>
+                  <a:schemeClr val="tx1"/>
+                </a:solidFill>
+              </a:ln>
+            </p:spPr>
+            <p:txBody>
+              <a:bodyPr wrap="none" lIns="0" tIns="0" rIns="0" bIns="0" rtlCol="0">
+                <a:spAutoFit/>
+              </a:bodyPr>
+              <a:lstStyle/>
+              <a:p>
+                <a:pPr/>
+                <a14:m>
+                  <m:oMathPara xmlns:m="http://schemas.openxmlformats.org/officeDocument/2006/math">
+                    <m:oMathParaPr>
+                      <m:jc m:val="centerGroup"/>
+                    </m:oMathParaPr>
+                    <m:oMath xmlns:m="http://schemas.openxmlformats.org/officeDocument/2006/math">
+                      <m:r>
+                        <a:rPr lang="en-US" b="0" i="1" smtClean="0">
+                          <a:latin typeface="Cambria Math" panose="02040503050406030204" pitchFamily="18" charset="0"/>
+                        </a:rPr>
+                        <m:t>𝜎</m:t>
+                      </m:r>
+                    </m:oMath>
+                  </m:oMathPara>
+                </a14:m>
+                <a:endParaRPr lang="en-US" dirty="0"/>
+              </a:p>
+            </p:txBody>
+          </p:sp>
+        </mc:Choice>
+        <mc:Fallback xmlns="">
+          <p:sp>
+            <p:nvSpPr>
+              <p:cNvPr id="5" name="TextBox 4">
+                <a:extLst>
+                  <a:ext uri="{FF2B5EF4-FFF2-40B4-BE49-F238E27FC236}">
+                    <a16:creationId xmlns:a16="http://schemas.microsoft.com/office/drawing/2014/main" id="{ACA2D849-ED32-6E69-BA70-3A29E22DEE71}"/>
+                  </a:ext>
+                </a:extLst>
+              </p:cNvPr>
+              <p:cNvSpPr txBox="1">
+                <a:spLocks noRot="1" noChangeAspect="1" noMove="1" noResize="1" noEditPoints="1" noAdjustHandles="1" noChangeArrowheads="1" noChangeShapeType="1" noTextEdit="1"/>
+              </p:cNvSpPr>
+              <p:nvPr/>
+            </p:nvSpPr>
+            <p:spPr>
+              <a:xfrm>
+                <a:off x="4750402" y="3631597"/>
+                <a:ext cx="193193" cy="276999"/>
+              </a:xfrm>
+              <a:prstGeom prst="rect">
+                <a:avLst/>
+              </a:prstGeom>
+              <a:blipFill>
+                <a:blip r:embed="rId3"/>
+                <a:stretch>
+                  <a:fillRect l="-14706" r="-8824"/>
+                </a:stretch>
+              </a:blipFill>
+              <a:ln>
+                <a:solidFill>
+                  <a:schemeClr val="tx1"/>
+                </a:solidFill>
+              </a:ln>
+            </p:spPr>
+            <p:txBody>
+              <a:bodyPr/>
+              <a:lstStyle/>
+              <a:p>
+                <a:r>
+                  <a:rPr lang="en-US">
+                    <a:noFill/>
+                  </a:rPr>
+                  <a:t> </a:t>
+                </a:r>
+              </a:p>
+            </p:txBody>
+          </p:sp>
+        </mc:Fallback>
+      </mc:AlternateContent>
+      <mc:AlternateContent xmlns:mc="http://schemas.openxmlformats.org/markup-compatibility/2006" xmlns:a14="http://schemas.microsoft.com/office/drawing/2010/main">
+        <mc:Choice Requires="a14">
+          <p:sp>
+            <p:nvSpPr>
+              <p:cNvPr id="6" name="TextBox 5">
+                <a:extLst>
+                  <a:ext uri="{FF2B5EF4-FFF2-40B4-BE49-F238E27FC236}">
+                    <a16:creationId xmlns:a16="http://schemas.microsoft.com/office/drawing/2014/main" id="{A0657D0E-AF13-EA0B-CA29-B3DD7BDE8C81}"/>
+                  </a:ext>
+                </a:extLst>
+              </p:cNvPr>
+              <p:cNvSpPr txBox="1"/>
+              <p:nvPr/>
+            </p:nvSpPr>
+            <p:spPr>
+              <a:xfrm>
+                <a:off x="5197490" y="3631596"/>
+                <a:ext cx="537776" cy="276999"/>
+              </a:xfrm>
+              <a:prstGeom prst="rect">
+                <a:avLst/>
+              </a:prstGeom>
+              <a:noFill/>
+              <a:ln>
+                <a:solidFill>
+                  <a:schemeClr val="tx1"/>
+                </a:solidFill>
+              </a:ln>
+            </p:spPr>
+            <p:txBody>
+              <a:bodyPr wrap="none" lIns="0" tIns="0" rIns="0" bIns="0" rtlCol="0">
+                <a:spAutoFit/>
+              </a:bodyPr>
+              <a:lstStyle/>
+              <a:p>
+                <a:pPr/>
+                <a14:m>
+                  <m:oMathPara xmlns:m="http://schemas.openxmlformats.org/officeDocument/2006/math">
+                    <m:oMathParaPr>
+                      <m:jc m:val="centerGroup"/>
+                    </m:oMathParaPr>
+                    <m:oMath xmlns:m="http://schemas.openxmlformats.org/officeDocument/2006/math">
+                      <m:r>
+                        <a:rPr lang="en-US" b="0" i="1" smtClean="0">
+                          <a:latin typeface="Cambria Math" panose="02040503050406030204" pitchFamily="18" charset="0"/>
+                        </a:rPr>
+                        <m:t>𝑡𝑎𝑛h</m:t>
+                      </m:r>
+                    </m:oMath>
+                  </m:oMathPara>
+                </a14:m>
+                <a:endParaRPr lang="en-US" dirty="0"/>
+              </a:p>
+            </p:txBody>
+          </p:sp>
+        </mc:Choice>
+        <mc:Fallback xmlns="">
+          <p:sp>
+            <p:nvSpPr>
+              <p:cNvPr id="6" name="TextBox 5">
+                <a:extLst>
+                  <a:ext uri="{FF2B5EF4-FFF2-40B4-BE49-F238E27FC236}">
+                    <a16:creationId xmlns:a16="http://schemas.microsoft.com/office/drawing/2014/main" id="{73CBCF3D-A7EB-2872-200A-1D74F551E6DC}"/>
+                  </a:ext>
+                </a:extLst>
+              </p:cNvPr>
+              <p:cNvSpPr txBox="1">
+                <a:spLocks noRot="1" noChangeAspect="1" noMove="1" noResize="1" noEditPoints="1" noAdjustHandles="1" noChangeArrowheads="1" noChangeShapeType="1" noTextEdit="1"/>
+              </p:cNvSpPr>
+              <p:nvPr/>
+            </p:nvSpPr>
+            <p:spPr>
+              <a:xfrm>
+                <a:off x="5197490" y="3631596"/>
+                <a:ext cx="537776" cy="276999"/>
+              </a:xfrm>
+              <a:prstGeom prst="rect">
+                <a:avLst/>
+              </a:prstGeom>
+              <a:blipFill>
+                <a:blip r:embed="rId4"/>
+                <a:stretch>
+                  <a:fillRect l="-8889" r="-10000" b="-6383"/>
+                </a:stretch>
+              </a:blipFill>
+              <a:ln>
+                <a:solidFill>
+                  <a:schemeClr val="tx1"/>
+                </a:solidFill>
+              </a:ln>
+            </p:spPr>
+            <p:txBody>
+              <a:bodyPr/>
+              <a:lstStyle/>
+              <a:p>
+                <a:r>
+                  <a:rPr lang="en-US">
+                    <a:noFill/>
+                  </a:rPr>
+                  <a:t> </a:t>
+                </a:r>
+              </a:p>
+            </p:txBody>
+          </p:sp>
+        </mc:Fallback>
+      </mc:AlternateContent>
+      <mc:AlternateContent xmlns:mc="http://schemas.openxmlformats.org/markup-compatibility/2006" xmlns:a14="http://schemas.microsoft.com/office/drawing/2010/main">
+        <mc:Choice Requires="a14">
+          <p:sp>
+            <p:nvSpPr>
+              <p:cNvPr id="7" name="TextBox 6">
+                <a:extLst>
+                  <a:ext uri="{FF2B5EF4-FFF2-40B4-BE49-F238E27FC236}">
+                    <a16:creationId xmlns:a16="http://schemas.microsoft.com/office/drawing/2014/main" id="{E60BF03B-0BF3-CB74-A45B-92A04120A485}"/>
+                  </a:ext>
+                </a:extLst>
+              </p:cNvPr>
+              <p:cNvSpPr txBox="1"/>
+              <p:nvPr/>
+            </p:nvSpPr>
+            <p:spPr>
+              <a:xfrm>
+                <a:off x="6091666" y="3631596"/>
+                <a:ext cx="193193" cy="276999"/>
+              </a:xfrm>
+              <a:prstGeom prst="rect">
+                <a:avLst/>
+              </a:prstGeom>
+              <a:noFill/>
+              <a:ln>
+                <a:solidFill>
+                  <a:schemeClr val="tx1"/>
+                </a:solidFill>
+              </a:ln>
+            </p:spPr>
+            <p:txBody>
+              <a:bodyPr wrap="none" lIns="0" tIns="0" rIns="0" bIns="0" rtlCol="0">
+                <a:spAutoFit/>
+              </a:bodyPr>
+              <a:lstStyle/>
+              <a:p>
+                <a:pPr/>
+                <a14:m>
+                  <m:oMathPara xmlns:m="http://schemas.openxmlformats.org/officeDocument/2006/math">
+                    <m:oMathParaPr>
+                      <m:jc m:val="centerGroup"/>
+                    </m:oMathParaPr>
+                    <m:oMath xmlns:m="http://schemas.openxmlformats.org/officeDocument/2006/math">
+                      <m:r>
+                        <a:rPr lang="en-US" b="0" i="1" smtClean="0">
+                          <a:latin typeface="Cambria Math" panose="02040503050406030204" pitchFamily="18" charset="0"/>
+                        </a:rPr>
+                        <m:t>𝜎</m:t>
+                      </m:r>
+                    </m:oMath>
+                  </m:oMathPara>
+                </a14:m>
+                <a:endParaRPr lang="en-US" dirty="0"/>
+              </a:p>
+            </p:txBody>
+          </p:sp>
+        </mc:Choice>
+        <mc:Fallback xmlns="">
+          <p:sp>
+            <p:nvSpPr>
+              <p:cNvPr id="7" name="TextBox 6">
+                <a:extLst>
+                  <a:ext uri="{FF2B5EF4-FFF2-40B4-BE49-F238E27FC236}">
+                    <a16:creationId xmlns:a16="http://schemas.microsoft.com/office/drawing/2014/main" id="{56F9617F-57ED-C968-B43C-A4ED32014406}"/>
+                  </a:ext>
+                </a:extLst>
+              </p:cNvPr>
+              <p:cNvSpPr txBox="1">
+                <a:spLocks noRot="1" noChangeAspect="1" noMove="1" noResize="1" noEditPoints="1" noAdjustHandles="1" noChangeArrowheads="1" noChangeShapeType="1" noTextEdit="1"/>
+              </p:cNvSpPr>
+              <p:nvPr/>
+            </p:nvSpPr>
+            <p:spPr>
+              <a:xfrm>
+                <a:off x="6091666" y="3631596"/>
+                <a:ext cx="193193" cy="276999"/>
+              </a:xfrm>
+              <a:prstGeom prst="rect">
+                <a:avLst/>
+              </a:prstGeom>
+              <a:blipFill>
+                <a:blip r:embed="rId5"/>
+                <a:stretch>
+                  <a:fillRect l="-14706" r="-8824"/>
+                </a:stretch>
+              </a:blipFill>
+              <a:ln>
+                <a:solidFill>
+                  <a:schemeClr val="tx1"/>
+                </a:solidFill>
+              </a:ln>
+            </p:spPr>
+            <p:txBody>
+              <a:bodyPr/>
+              <a:lstStyle/>
+              <a:p>
+                <a:r>
+                  <a:rPr lang="en-US">
+                    <a:noFill/>
+                  </a:rPr>
+                  <a:t> </a:t>
+                </a:r>
+              </a:p>
+            </p:txBody>
+          </p:sp>
+        </mc:Fallback>
+      </mc:AlternateContent>
+      <mc:AlternateContent xmlns:mc="http://schemas.openxmlformats.org/markup-compatibility/2006" xmlns:a14="http://schemas.microsoft.com/office/drawing/2010/main">
+        <mc:Choice Requires="a14">
+          <p:sp>
+            <p:nvSpPr>
+              <p:cNvPr id="8" name="TextBox 7">
+                <a:extLst>
+                  <a:ext uri="{FF2B5EF4-FFF2-40B4-BE49-F238E27FC236}">
+                    <a16:creationId xmlns:a16="http://schemas.microsoft.com/office/drawing/2014/main" id="{175D3A76-5A63-6FB2-AD1C-D3D05470C533}"/>
+                  </a:ext>
+                </a:extLst>
+              </p:cNvPr>
+              <p:cNvSpPr txBox="1"/>
+              <p:nvPr/>
+            </p:nvSpPr>
+            <p:spPr>
+              <a:xfrm>
+                <a:off x="6962289" y="3277559"/>
+                <a:ext cx="537776" cy="276999"/>
+              </a:xfrm>
+              <a:prstGeom prst="rect">
+                <a:avLst/>
+              </a:prstGeom>
+              <a:noFill/>
+              <a:ln>
+                <a:solidFill>
+                  <a:schemeClr val="tx1"/>
+                </a:solidFill>
+              </a:ln>
+            </p:spPr>
+            <p:txBody>
+              <a:bodyPr wrap="none" lIns="0" tIns="0" rIns="0" bIns="0" rtlCol="0">
+                <a:spAutoFit/>
+              </a:bodyPr>
+              <a:lstStyle/>
+              <a:p>
+                <a:pPr/>
+                <a14:m>
+                  <m:oMathPara xmlns:m="http://schemas.openxmlformats.org/officeDocument/2006/math">
+                    <m:oMathParaPr>
+                      <m:jc m:val="centerGroup"/>
+                    </m:oMathParaPr>
+                    <m:oMath xmlns:m="http://schemas.openxmlformats.org/officeDocument/2006/math">
+                      <m:r>
+                        <a:rPr lang="en-US" b="0" i="1" smtClean="0">
+                          <a:latin typeface="Cambria Math" panose="02040503050406030204" pitchFamily="18" charset="0"/>
+                        </a:rPr>
+                        <m:t>𝑡𝑎𝑛h</m:t>
+                      </m:r>
+                    </m:oMath>
+                  </m:oMathPara>
+                </a14:m>
+                <a:endParaRPr lang="en-US" dirty="0"/>
+              </a:p>
+            </p:txBody>
+          </p:sp>
+        </mc:Choice>
+        <mc:Fallback xmlns="">
+          <p:sp>
+            <p:nvSpPr>
+              <p:cNvPr id="8" name="TextBox 7">
+                <a:extLst>
+                  <a:ext uri="{FF2B5EF4-FFF2-40B4-BE49-F238E27FC236}">
+                    <a16:creationId xmlns:a16="http://schemas.microsoft.com/office/drawing/2014/main" id="{3FE7AC40-3A2B-8B28-A674-F06DA0EB53E9}"/>
+                  </a:ext>
+                </a:extLst>
+              </p:cNvPr>
+              <p:cNvSpPr txBox="1">
+                <a:spLocks noRot="1" noChangeAspect="1" noMove="1" noResize="1" noEditPoints="1" noAdjustHandles="1" noChangeArrowheads="1" noChangeShapeType="1" noTextEdit="1"/>
+              </p:cNvSpPr>
+              <p:nvPr/>
+            </p:nvSpPr>
+            <p:spPr>
+              <a:xfrm>
+                <a:off x="6962289" y="3277559"/>
+                <a:ext cx="537776" cy="276999"/>
+              </a:xfrm>
+              <a:prstGeom prst="rect">
+                <a:avLst/>
+              </a:prstGeom>
+              <a:blipFill>
+                <a:blip r:embed="rId6"/>
+                <a:stretch>
+                  <a:fillRect l="-8889" r="-10000" b="-6383"/>
+                </a:stretch>
+              </a:blipFill>
+              <a:ln>
+                <a:solidFill>
+                  <a:schemeClr val="tx1"/>
+                </a:solidFill>
+              </a:ln>
+            </p:spPr>
+            <p:txBody>
+              <a:bodyPr/>
+              <a:lstStyle/>
+              <a:p>
+                <a:r>
+                  <a:rPr lang="en-US">
+                    <a:noFill/>
+                  </a:rPr>
+                  <a:t> </a:t>
+                </a:r>
+              </a:p>
+            </p:txBody>
+          </p:sp>
+        </mc:Fallback>
+      </mc:AlternateContent>
+      <p:cxnSp>
+        <p:nvCxnSpPr>
+          <p:cNvPr id="13" name="Straight Arrow Connector 12">
+            <a:extLst>
+              <a:ext uri="{FF2B5EF4-FFF2-40B4-BE49-F238E27FC236}">
+                <a16:creationId xmlns:a16="http://schemas.microsoft.com/office/drawing/2014/main" id="{352C2BA0-4F46-8CA4-4351-B022520051B8}"/>
+              </a:ext>
+            </a:extLst>
+          </p:cNvPr>
+          <p:cNvCxnSpPr>
+            <a:cxnSpLocks/>
+          </p:cNvCxnSpPr>
+          <p:nvPr/>
+        </p:nvCxnSpPr>
+        <p:spPr>
+          <a:xfrm>
+            <a:off x="3124562" y="4324626"/>
+            <a:ext cx="688270" cy="0"/>
+          </a:xfrm>
+          <a:prstGeom prst="straightConnector1">
+            <a:avLst/>
+          </a:prstGeom>
+          <a:ln>
+            <a:tailEnd type="triangle"/>
+          </a:ln>
+        </p:spPr>
+        <p:style>
+          <a:lnRef idx="1">
+            <a:schemeClr val="accent1"/>
+          </a:lnRef>
+          <a:fillRef idx="0">
+            <a:schemeClr val="accent1"/>
+          </a:fillRef>
+          <a:effectRef idx="0">
+            <a:schemeClr val="accent1"/>
+          </a:effectRef>
+          <a:fontRef idx="minor">
+            <a:schemeClr val="tx1"/>
+          </a:fontRef>
+        </p:style>
+      </p:cxnSp>
+      <p:cxnSp>
+        <p:nvCxnSpPr>
+          <p:cNvPr id="16" name="Connector: Curved 15">
+            <a:extLst>
+              <a:ext uri="{FF2B5EF4-FFF2-40B4-BE49-F238E27FC236}">
+                <a16:creationId xmlns:a16="http://schemas.microsoft.com/office/drawing/2014/main" id="{3BD82030-5987-E95D-6677-148F5F7AEF96}"/>
+              </a:ext>
+            </a:extLst>
+          </p:cNvPr>
+          <p:cNvCxnSpPr>
+            <a:cxnSpLocks/>
+            <a:endCxn id="4" idx="2"/>
+          </p:cNvCxnSpPr>
+          <p:nvPr/>
+        </p:nvCxnSpPr>
+        <p:spPr>
+          <a:xfrm flipV="1">
+            <a:off x="3812832" y="3908596"/>
+            <a:ext cx="587079" cy="416030"/>
+          </a:xfrm>
+          <a:prstGeom prst="curvedConnector2">
+            <a:avLst/>
+          </a:prstGeom>
+          <a:ln>
+            <a:tailEnd type="triangle"/>
+          </a:ln>
+        </p:spPr>
+        <p:style>
+          <a:lnRef idx="1">
+            <a:schemeClr val="accent1"/>
+          </a:lnRef>
+          <a:fillRef idx="0">
+            <a:schemeClr val="accent1"/>
+          </a:fillRef>
+          <a:effectRef idx="0">
+            <a:schemeClr val="accent1"/>
+          </a:effectRef>
+          <a:fontRef idx="minor">
+            <a:schemeClr val="tx1"/>
+          </a:fontRef>
+        </p:style>
+      </p:cxnSp>
+      <p:cxnSp>
+        <p:nvCxnSpPr>
+          <p:cNvPr id="19" name="Connector: Curved 18">
+            <a:extLst>
+              <a:ext uri="{FF2B5EF4-FFF2-40B4-BE49-F238E27FC236}">
+                <a16:creationId xmlns:a16="http://schemas.microsoft.com/office/drawing/2014/main" id="{4283D535-FD44-3EAC-A7DE-6D9FEB214F28}"/>
+              </a:ext>
+            </a:extLst>
+          </p:cNvPr>
+          <p:cNvCxnSpPr>
+            <a:cxnSpLocks/>
+            <a:endCxn id="5" idx="2"/>
+          </p:cNvCxnSpPr>
+          <p:nvPr/>
+        </p:nvCxnSpPr>
+        <p:spPr>
+          <a:xfrm flipV="1">
+            <a:off x="3812832" y="3908596"/>
+            <a:ext cx="1034167" cy="416030"/>
+          </a:xfrm>
+          <a:prstGeom prst="curvedConnector2">
+            <a:avLst/>
+          </a:prstGeom>
+          <a:ln>
+            <a:tailEnd type="triangle"/>
+          </a:ln>
+        </p:spPr>
+        <p:style>
+          <a:lnRef idx="1">
+            <a:schemeClr val="accent1"/>
+          </a:lnRef>
+          <a:fillRef idx="0">
+            <a:schemeClr val="accent1"/>
+          </a:fillRef>
+          <a:effectRef idx="0">
+            <a:schemeClr val="accent1"/>
+          </a:effectRef>
+          <a:fontRef idx="minor">
+            <a:schemeClr val="tx1"/>
+          </a:fontRef>
+        </p:style>
+      </p:cxnSp>
+      <p:cxnSp>
+        <p:nvCxnSpPr>
+          <p:cNvPr id="27" name="Straight Connector 26">
+            <a:extLst>
+              <a:ext uri="{FF2B5EF4-FFF2-40B4-BE49-F238E27FC236}">
+                <a16:creationId xmlns:a16="http://schemas.microsoft.com/office/drawing/2014/main" id="{A53754AE-3B9D-253E-8FA1-56B015CF14F5}"/>
+              </a:ext>
+            </a:extLst>
+          </p:cNvPr>
+          <p:cNvCxnSpPr>
+            <a:cxnSpLocks/>
+          </p:cNvCxnSpPr>
+          <p:nvPr/>
+        </p:nvCxnSpPr>
+        <p:spPr>
+          <a:xfrm>
+            <a:off x="3770276" y="4324626"/>
+            <a:ext cx="1018407" cy="0"/>
+          </a:xfrm>
+          <a:prstGeom prst="line">
+            <a:avLst/>
+          </a:prstGeom>
+        </p:spPr>
+        <p:style>
+          <a:lnRef idx="1">
+            <a:schemeClr val="accent1"/>
+          </a:lnRef>
+          <a:fillRef idx="0">
+            <a:schemeClr val="accent1"/>
+          </a:fillRef>
+          <a:effectRef idx="0">
+            <a:schemeClr val="accent1"/>
+          </a:effectRef>
+          <a:fontRef idx="minor">
+            <a:schemeClr val="tx1"/>
+          </a:fontRef>
+        </p:style>
+      </p:cxnSp>
+      <p:cxnSp>
+        <p:nvCxnSpPr>
+          <p:cNvPr id="30" name="Connector: Curved 29">
+            <a:extLst>
+              <a:ext uri="{FF2B5EF4-FFF2-40B4-BE49-F238E27FC236}">
+                <a16:creationId xmlns:a16="http://schemas.microsoft.com/office/drawing/2014/main" id="{8AA2875B-ACDF-1662-C49E-22D22CD37EDB}"/>
+              </a:ext>
+            </a:extLst>
+          </p:cNvPr>
+          <p:cNvCxnSpPr>
+            <a:cxnSpLocks/>
+            <a:endCxn id="6" idx="2"/>
+          </p:cNvCxnSpPr>
+          <p:nvPr/>
+        </p:nvCxnSpPr>
+        <p:spPr>
+          <a:xfrm flipV="1">
+            <a:off x="4788683" y="3908595"/>
+            <a:ext cx="677695" cy="416031"/>
+          </a:xfrm>
+          <a:prstGeom prst="curvedConnector2">
+            <a:avLst/>
+          </a:prstGeom>
+          <a:ln>
+            <a:tailEnd type="triangle"/>
+          </a:ln>
+        </p:spPr>
+        <p:style>
+          <a:lnRef idx="1">
+            <a:schemeClr val="accent1"/>
+          </a:lnRef>
+          <a:fillRef idx="0">
+            <a:schemeClr val="accent1"/>
+          </a:fillRef>
+          <a:effectRef idx="0">
+            <a:schemeClr val="accent1"/>
+          </a:effectRef>
+          <a:fontRef idx="minor">
+            <a:schemeClr val="tx1"/>
+          </a:fontRef>
+        </p:style>
+      </p:cxnSp>
+      <p:cxnSp>
+        <p:nvCxnSpPr>
+          <p:cNvPr id="33" name="Straight Connector 32">
+            <a:extLst>
+              <a:ext uri="{FF2B5EF4-FFF2-40B4-BE49-F238E27FC236}">
+                <a16:creationId xmlns:a16="http://schemas.microsoft.com/office/drawing/2014/main" id="{1D5302F0-A591-F51E-40F1-FA61BE19DC43}"/>
+              </a:ext>
+            </a:extLst>
+          </p:cNvPr>
+          <p:cNvCxnSpPr>
+            <a:cxnSpLocks/>
+          </p:cNvCxnSpPr>
+          <p:nvPr/>
+        </p:nvCxnSpPr>
+        <p:spPr>
+          <a:xfrm>
+            <a:off x="4831239" y="4324626"/>
+            <a:ext cx="704030" cy="0"/>
+          </a:xfrm>
+          <a:prstGeom prst="line">
+            <a:avLst/>
+          </a:prstGeom>
+        </p:spPr>
+        <p:style>
+          <a:lnRef idx="1">
+            <a:schemeClr val="accent1"/>
+          </a:lnRef>
+          <a:fillRef idx="0">
+            <a:schemeClr val="accent1"/>
+          </a:fillRef>
+          <a:effectRef idx="0">
+            <a:schemeClr val="accent1"/>
+          </a:effectRef>
+          <a:fontRef idx="minor">
+            <a:schemeClr val="tx1"/>
+          </a:fontRef>
+        </p:style>
+      </p:cxnSp>
+      <p:cxnSp>
+        <p:nvCxnSpPr>
+          <p:cNvPr id="38" name="Connector: Curved 37">
+            <a:extLst>
+              <a:ext uri="{FF2B5EF4-FFF2-40B4-BE49-F238E27FC236}">
+                <a16:creationId xmlns:a16="http://schemas.microsoft.com/office/drawing/2014/main" id="{7D696905-2FFE-95D2-9873-731A922D46D5}"/>
+              </a:ext>
+            </a:extLst>
+          </p:cNvPr>
+          <p:cNvCxnSpPr>
+            <a:cxnSpLocks/>
+            <a:endCxn id="7" idx="2"/>
+          </p:cNvCxnSpPr>
+          <p:nvPr/>
+        </p:nvCxnSpPr>
+        <p:spPr>
+          <a:xfrm flipV="1">
+            <a:off x="5535269" y="3908595"/>
+            <a:ext cx="652994" cy="416031"/>
+          </a:xfrm>
+          <a:prstGeom prst="curvedConnector2">
+            <a:avLst/>
+          </a:prstGeom>
+          <a:ln>
+            <a:tailEnd type="triangle"/>
+          </a:ln>
+        </p:spPr>
+        <p:style>
+          <a:lnRef idx="1">
+            <a:schemeClr val="accent1"/>
+          </a:lnRef>
+          <a:fillRef idx="0">
+            <a:schemeClr val="accent1"/>
+          </a:fillRef>
+          <a:effectRef idx="0">
+            <a:schemeClr val="accent1"/>
+          </a:effectRef>
+          <a:fontRef idx="minor">
+            <a:schemeClr val="tx1"/>
+          </a:fontRef>
+        </p:style>
+      </p:cxnSp>
+      <mc:AlternateContent xmlns:mc="http://schemas.openxmlformats.org/markup-compatibility/2006">
+        <mc:Choice xmlns:a14="http://schemas.microsoft.com/office/drawing/2010/main" Requires="a14">
+          <p:sp>
+            <p:nvSpPr>
+              <p:cNvPr id="40" name="TextBox 39">
+                <a:extLst>
+                  <a:ext uri="{FF2B5EF4-FFF2-40B4-BE49-F238E27FC236}">
+                    <a16:creationId xmlns:a16="http://schemas.microsoft.com/office/drawing/2014/main" id="{80D82AB9-A41D-3DAB-A95A-37822C6AD1BE}"/>
+                  </a:ext>
+                </a:extLst>
+              </p:cNvPr>
+              <p:cNvSpPr txBox="1"/>
+              <p:nvPr/>
+            </p:nvSpPr>
+            <p:spPr>
+              <a:xfrm>
+                <a:off x="3198706" y="4604140"/>
+                <a:ext cx="326074" cy="276999"/>
+              </a:xfrm>
+              <a:prstGeom prst="rect">
+                <a:avLst/>
+              </a:prstGeom>
+              <a:noFill/>
+            </p:spPr>
+            <p:txBody>
+              <a:bodyPr wrap="square" lIns="0" tIns="0" rIns="0" bIns="0" rtlCol="0">
+                <a:spAutoFit/>
+              </a:bodyPr>
+              <a:lstStyle/>
+              <a:p>
+                <a:pPr/>
+                <a14:m>
+                  <m:oMathPara xmlns:m="http://schemas.openxmlformats.org/officeDocument/2006/math">
+                    <m:oMathParaPr>
+                      <m:jc m:val="centerGroup"/>
+                    </m:oMathParaPr>
+                    <m:oMath xmlns:m="http://schemas.openxmlformats.org/officeDocument/2006/math">
+                      <m:sSub>
+                        <m:sSubPr>
+                          <m:ctrlPr>
+                            <a:rPr lang="en-US" b="0" i="1" smtClean="0">
+                              <a:latin typeface="Cambria Math" panose="02040503050406030204" pitchFamily="18" charset="0"/>
+                            </a:rPr>
+                          </m:ctrlPr>
+                        </m:sSubPr>
+                        <m:e>
+                          <m:r>
+                            <a:rPr lang="en-US" b="0" i="1" smtClean="0">
+                              <a:latin typeface="Cambria Math" panose="02040503050406030204" pitchFamily="18" charset="0"/>
+                            </a:rPr>
+                            <m:t>𝑥</m:t>
+                          </m:r>
+                        </m:e>
+                        <m:sub>
+                          <m:r>
+                            <a:rPr lang="en-US" b="0" i="1" smtClean="0">
+                              <a:latin typeface="Cambria Math" panose="02040503050406030204" pitchFamily="18" charset="0"/>
+                            </a:rPr>
+                            <m:t>𝑡</m:t>
+                          </m:r>
+                        </m:sub>
+                      </m:sSub>
+                    </m:oMath>
+                  </m:oMathPara>
+                </a14:m>
+                <a:endParaRPr lang="en-US" dirty="0"/>
+              </a:p>
+            </p:txBody>
+          </p:sp>
+        </mc:Choice>
+        <mc:Fallback>
+          <p:sp>
+            <p:nvSpPr>
+              <p:cNvPr id="40" name="TextBox 39">
+                <a:extLst>
+                  <a:ext uri="{FF2B5EF4-FFF2-40B4-BE49-F238E27FC236}">
+                    <a16:creationId xmlns:a16="http://schemas.microsoft.com/office/drawing/2014/main" id="{80D82AB9-A41D-3DAB-A95A-37822C6AD1BE}"/>
+                  </a:ext>
+                </a:extLst>
+              </p:cNvPr>
+              <p:cNvSpPr txBox="1">
+                <a:spLocks noRot="1" noChangeAspect="1" noMove="1" noResize="1" noEditPoints="1" noAdjustHandles="1" noChangeArrowheads="1" noChangeShapeType="1" noTextEdit="1"/>
+              </p:cNvSpPr>
+              <p:nvPr/>
+            </p:nvSpPr>
+            <p:spPr>
+              <a:xfrm>
+                <a:off x="3198706" y="4604140"/>
+                <a:ext cx="326074" cy="276999"/>
+              </a:xfrm>
+              <a:prstGeom prst="rect">
+                <a:avLst/>
+              </a:prstGeom>
+              <a:blipFill>
+                <a:blip r:embed="rId7"/>
+                <a:stretch>
+                  <a:fillRect b="-13043"/>
+                </a:stretch>
+              </a:blipFill>
+            </p:spPr>
+            <p:txBody>
+              <a:bodyPr/>
+              <a:lstStyle/>
+              <a:p>
+                <a:r>
+                  <a:rPr lang="en-US">
+                    <a:noFill/>
+                  </a:rPr>
+                  <a:t> </a:t>
+                </a:r>
+              </a:p>
+            </p:txBody>
+          </p:sp>
+        </mc:Fallback>
+      </mc:AlternateContent>
+      <mc:AlternateContent xmlns:mc="http://schemas.openxmlformats.org/markup-compatibility/2006">
+        <mc:Choice xmlns:a14="http://schemas.microsoft.com/office/drawing/2010/main" Requires="a14">
+          <p:sp>
+            <p:nvSpPr>
+              <p:cNvPr id="42" name="TextBox 41">
+                <a:extLst>
+                  <a:ext uri="{FF2B5EF4-FFF2-40B4-BE49-F238E27FC236}">
+                    <a16:creationId xmlns:a16="http://schemas.microsoft.com/office/drawing/2014/main" id="{FA58002B-6E0E-DBCD-BCF8-C3AEAFCAA269}"/>
+                  </a:ext>
+                </a:extLst>
+              </p:cNvPr>
+              <p:cNvSpPr txBox="1"/>
+              <p:nvPr/>
+            </p:nvSpPr>
+            <p:spPr>
+              <a:xfrm>
+                <a:off x="2617489" y="4186126"/>
+                <a:ext cx="488532" cy="276999"/>
+              </a:xfrm>
+              <a:prstGeom prst="rect">
+                <a:avLst/>
+              </a:prstGeom>
+              <a:noFill/>
+            </p:spPr>
+            <p:txBody>
+              <a:bodyPr wrap="none" lIns="0" tIns="0" rIns="0" bIns="0" rtlCol="0">
+                <a:spAutoFit/>
+              </a:bodyPr>
+              <a:lstStyle/>
+              <a:p>
+                <a:pPr/>
+                <a14:m>
+                  <m:oMathPara xmlns:m="http://schemas.openxmlformats.org/officeDocument/2006/math">
+                    <m:oMathParaPr>
+                      <m:jc m:val="centerGroup"/>
+                    </m:oMathParaPr>
+                    <m:oMath xmlns:m="http://schemas.openxmlformats.org/officeDocument/2006/math">
+                      <m:sSub>
+                        <m:sSubPr>
+                          <m:ctrlPr>
+                            <a:rPr lang="en-US" b="0" i="1" smtClean="0">
+                              <a:latin typeface="Cambria Math" panose="02040503050406030204" pitchFamily="18" charset="0"/>
+                            </a:rPr>
+                          </m:ctrlPr>
+                        </m:sSubPr>
+                        <m:e>
+                          <m:r>
+                            <a:rPr lang="en-US" b="0" i="1" smtClean="0">
+                              <a:latin typeface="Cambria Math" panose="02040503050406030204" pitchFamily="18" charset="0"/>
+                            </a:rPr>
+                            <m:t>h</m:t>
+                          </m:r>
+                        </m:e>
+                        <m:sub>
+                          <m:r>
+                            <a:rPr lang="en-US" b="0" i="1" smtClean="0">
+                              <a:latin typeface="Cambria Math" panose="02040503050406030204" pitchFamily="18" charset="0"/>
+                            </a:rPr>
+                            <m:t>𝑡</m:t>
+                          </m:r>
+                          <m:r>
+                            <a:rPr lang="en-US" b="0" i="1" smtClean="0">
+                              <a:latin typeface="Cambria Math" panose="02040503050406030204" pitchFamily="18" charset="0"/>
+                            </a:rPr>
+                            <m:t>−1</m:t>
+                          </m:r>
+                        </m:sub>
+                      </m:sSub>
+                    </m:oMath>
+                  </m:oMathPara>
+                </a14:m>
+                <a:endParaRPr lang="en-US" dirty="0"/>
+              </a:p>
+            </p:txBody>
+          </p:sp>
+        </mc:Choice>
+        <mc:Fallback>
+          <p:sp>
+            <p:nvSpPr>
+              <p:cNvPr id="42" name="TextBox 41">
+                <a:extLst>
+                  <a:ext uri="{FF2B5EF4-FFF2-40B4-BE49-F238E27FC236}">
+                    <a16:creationId xmlns:a16="http://schemas.microsoft.com/office/drawing/2014/main" id="{FA58002B-6E0E-DBCD-BCF8-C3AEAFCAA269}"/>
+                  </a:ext>
+                </a:extLst>
+              </p:cNvPr>
+              <p:cNvSpPr txBox="1">
+                <a:spLocks noRot="1" noChangeAspect="1" noMove="1" noResize="1" noEditPoints="1" noAdjustHandles="1" noChangeArrowheads="1" noChangeShapeType="1" noTextEdit="1"/>
+              </p:cNvSpPr>
+              <p:nvPr/>
+            </p:nvSpPr>
+            <p:spPr>
+              <a:xfrm>
+                <a:off x="2617489" y="4186126"/>
+                <a:ext cx="488532" cy="276999"/>
+              </a:xfrm>
+              <a:prstGeom prst="rect">
+                <a:avLst/>
+              </a:prstGeom>
+              <a:blipFill>
+                <a:blip r:embed="rId8"/>
+                <a:stretch>
+                  <a:fillRect l="-11111" r="-3704" b="-15556"/>
+                </a:stretch>
+              </a:blipFill>
+            </p:spPr>
+            <p:txBody>
+              <a:bodyPr/>
+              <a:lstStyle/>
+              <a:p>
+                <a:r>
+                  <a:rPr lang="en-US">
+                    <a:noFill/>
+                  </a:rPr>
+                  <a:t> </a:t>
+                </a:r>
+              </a:p>
+            </p:txBody>
+          </p:sp>
+        </mc:Fallback>
+      </mc:AlternateContent>
+      <p:cxnSp>
+        <p:nvCxnSpPr>
+          <p:cNvPr id="44" name="Straight Arrow Connector 43">
+            <a:extLst>
+              <a:ext uri="{FF2B5EF4-FFF2-40B4-BE49-F238E27FC236}">
+                <a16:creationId xmlns:a16="http://schemas.microsoft.com/office/drawing/2014/main" id="{8DC6E67E-1E26-3822-05F0-9DE511A97E43}"/>
+              </a:ext>
+            </a:extLst>
+          </p:cNvPr>
+          <p:cNvCxnSpPr>
+            <a:cxnSpLocks/>
+            <a:endCxn id="59" idx="2"/>
+          </p:cNvCxnSpPr>
+          <p:nvPr/>
+        </p:nvCxnSpPr>
+        <p:spPr>
+          <a:xfrm flipH="1" flipV="1">
+            <a:off x="4395706" y="2311739"/>
+            <a:ext cx="1" cy="1319857"/>
+          </a:xfrm>
+          <a:prstGeom prst="straightConnector1">
+            <a:avLst/>
+          </a:prstGeom>
+          <a:ln>
+            <a:tailEnd type="triangle"/>
+          </a:ln>
+        </p:spPr>
+        <p:style>
+          <a:lnRef idx="1">
+            <a:schemeClr val="accent1"/>
+          </a:lnRef>
+          <a:fillRef idx="0">
+            <a:schemeClr val="accent1"/>
+          </a:fillRef>
+          <a:effectRef idx="0">
+            <a:schemeClr val="accent1"/>
+          </a:effectRef>
+          <a:fontRef idx="minor">
+            <a:schemeClr val="tx1"/>
+          </a:fontRef>
+        </p:style>
+      </p:cxnSp>
+      <p:cxnSp>
+        <p:nvCxnSpPr>
+          <p:cNvPr id="46" name="Straight Arrow Connector 45">
+            <a:extLst>
+              <a:ext uri="{FF2B5EF4-FFF2-40B4-BE49-F238E27FC236}">
+                <a16:creationId xmlns:a16="http://schemas.microsoft.com/office/drawing/2014/main" id="{AD7D8274-A1CC-20D3-CF06-0452DF7A6508}"/>
+              </a:ext>
+            </a:extLst>
+          </p:cNvPr>
+          <p:cNvCxnSpPr>
+            <a:cxnSpLocks/>
+            <a:endCxn id="50" idx="2"/>
+          </p:cNvCxnSpPr>
+          <p:nvPr/>
+        </p:nvCxnSpPr>
+        <p:spPr>
+          <a:xfrm flipH="1" flipV="1">
+            <a:off x="5466377" y="3044908"/>
+            <a:ext cx="1" cy="483984"/>
+          </a:xfrm>
+          <a:prstGeom prst="straightConnector1">
+            <a:avLst/>
+          </a:prstGeom>
+          <a:ln>
+            <a:tailEnd type="triangle"/>
+          </a:ln>
+        </p:spPr>
+        <p:style>
+          <a:lnRef idx="1">
+            <a:schemeClr val="accent1"/>
+          </a:lnRef>
+          <a:fillRef idx="0">
+            <a:schemeClr val="accent1"/>
+          </a:fillRef>
+          <a:effectRef idx="0">
+            <a:schemeClr val="accent1"/>
+          </a:effectRef>
+          <a:fontRef idx="minor">
+            <a:schemeClr val="tx1"/>
+          </a:fontRef>
+        </p:style>
+      </p:cxnSp>
+      <mc:AlternateContent xmlns:mc="http://schemas.openxmlformats.org/markup-compatibility/2006" xmlns:a14="http://schemas.microsoft.com/office/drawing/2010/main">
+        <mc:Choice Requires="a14">
+          <p:sp>
+            <p:nvSpPr>
+              <p:cNvPr id="48" name="TextBox 47">
+                <a:extLst>
+                  <a:ext uri="{FF2B5EF4-FFF2-40B4-BE49-F238E27FC236}">
+                    <a16:creationId xmlns:a16="http://schemas.microsoft.com/office/drawing/2014/main" id="{288DAE2F-0A08-49F7-7B84-FD1BBF53B2A7}"/>
+                  </a:ext>
+                </a:extLst>
+              </p:cNvPr>
+              <p:cNvSpPr txBox="1"/>
+              <p:nvPr/>
+            </p:nvSpPr>
+            <p:spPr>
+              <a:xfrm>
+                <a:off x="4170312" y="3243253"/>
+                <a:ext cx="231282" cy="276999"/>
+              </a:xfrm>
+              <a:prstGeom prst="rect">
+                <a:avLst/>
+              </a:prstGeom>
+              <a:noFill/>
+            </p:spPr>
+            <p:txBody>
+              <a:bodyPr wrap="none" lIns="0" tIns="0" rIns="0" bIns="0" rtlCol="0">
+                <a:spAutoFit/>
+              </a:bodyPr>
+              <a:lstStyle/>
+              <a:p>
+                <a:pPr/>
+                <a14:m>
+                  <m:oMathPara xmlns:m="http://schemas.openxmlformats.org/officeDocument/2006/math">
+                    <m:oMathParaPr>
+                      <m:jc m:val="centerGroup"/>
+                    </m:oMathParaPr>
+                    <m:oMath xmlns:m="http://schemas.openxmlformats.org/officeDocument/2006/math">
+                      <m:sSub>
+                        <m:sSubPr>
+                          <m:ctrlPr>
+                            <a:rPr lang="en-US" b="0" i="1" smtClean="0">
+                              <a:latin typeface="Cambria Math" panose="02040503050406030204" pitchFamily="18" charset="0"/>
+                            </a:rPr>
+                          </m:ctrlPr>
+                        </m:sSubPr>
+                        <m:e>
+                          <m:r>
+                            <a:rPr lang="en-US" b="0" i="1" smtClean="0">
+                              <a:latin typeface="Cambria Math" panose="02040503050406030204" pitchFamily="18" charset="0"/>
+                            </a:rPr>
+                            <m:t>𝑓</m:t>
+                          </m:r>
+                        </m:e>
+                        <m:sub>
+                          <m:r>
+                            <a:rPr lang="en-US" b="0" i="1" smtClean="0">
+                              <a:latin typeface="Cambria Math" panose="02040503050406030204" pitchFamily="18" charset="0"/>
+                            </a:rPr>
+                            <m:t>𝑡</m:t>
+                          </m:r>
+                        </m:sub>
+                      </m:sSub>
+                    </m:oMath>
+                  </m:oMathPara>
+                </a14:m>
+                <a:endParaRPr lang="en-US" dirty="0"/>
+              </a:p>
+            </p:txBody>
+          </p:sp>
+        </mc:Choice>
+        <mc:Fallback xmlns="">
+          <p:sp>
+            <p:nvSpPr>
+              <p:cNvPr id="48" name="TextBox 47">
+                <a:extLst>
+                  <a:ext uri="{FF2B5EF4-FFF2-40B4-BE49-F238E27FC236}">
+                    <a16:creationId xmlns:a16="http://schemas.microsoft.com/office/drawing/2014/main" id="{8E14C4C8-0A87-FB91-4AAC-74DAFEBA0481}"/>
+                  </a:ext>
+                </a:extLst>
+              </p:cNvPr>
+              <p:cNvSpPr txBox="1">
+                <a:spLocks noRot="1" noChangeAspect="1" noMove="1" noResize="1" noEditPoints="1" noAdjustHandles="1" noChangeArrowheads="1" noChangeShapeType="1" noTextEdit="1"/>
+              </p:cNvSpPr>
+              <p:nvPr/>
+            </p:nvSpPr>
+            <p:spPr>
+              <a:xfrm>
+                <a:off x="4170312" y="3243253"/>
+                <a:ext cx="231282" cy="276999"/>
+              </a:xfrm>
+              <a:prstGeom prst="rect">
+                <a:avLst/>
+              </a:prstGeom>
+              <a:blipFill>
+                <a:blip r:embed="rId9"/>
+                <a:stretch>
+                  <a:fillRect l="-36842" t="-2222" r="-13158" b="-35556"/>
+                </a:stretch>
+              </a:blipFill>
+            </p:spPr>
+            <p:txBody>
+              <a:bodyPr/>
+              <a:lstStyle/>
+              <a:p>
+                <a:r>
+                  <a:rPr lang="en-US">
+                    <a:noFill/>
+                  </a:rPr>
+                  <a:t> </a:t>
+                </a:r>
+              </a:p>
+            </p:txBody>
+          </p:sp>
+        </mc:Fallback>
+      </mc:AlternateContent>
+      <p:sp>
+        <p:nvSpPr>
+          <p:cNvPr id="49" name="Oval 48">
+            <a:extLst>
+              <a:ext uri="{FF2B5EF4-FFF2-40B4-BE49-F238E27FC236}">
+                <a16:creationId xmlns:a16="http://schemas.microsoft.com/office/drawing/2014/main" id="{F1EEDC47-2168-4CA4-0D16-C2A947E6251C}"/>
+              </a:ext>
+            </a:extLst>
+          </p:cNvPr>
+          <p:cNvSpPr/>
+          <p:nvPr/>
+        </p:nvSpPr>
+        <p:spPr>
+          <a:xfrm>
+            <a:off x="5272223" y="2646120"/>
+            <a:ext cx="388309" cy="388309"/>
+          </a:xfrm>
+          <a:prstGeom prst="ellipse">
+            <a:avLst/>
+          </a:prstGeom>
+          <a:noFill/>
+          <a:ln>
+            <a:solidFill>
+              <a:schemeClr val="tx1"/>
+            </a:solidFill>
+          </a:ln>
+        </p:spPr>
+        <p:style>
+          <a:lnRef idx="2">
+            <a:schemeClr val="accent1">
+              <a:shade val="15000"/>
+            </a:schemeClr>
+          </a:lnRef>
+          <a:fillRef idx="1">
+            <a:schemeClr val="accent1"/>
+          </a:fillRef>
+          <a:effectRef idx="0">
+            <a:schemeClr val="accent1"/>
+          </a:effectRef>
+          <a:fontRef idx="minor">
+            <a:schemeClr val="lt1"/>
+          </a:fontRef>
+        </p:style>
+        <p:txBody>
+          <a:bodyPr rtlCol="0" anchor="ctr"/>
+          <a:lstStyle/>
+          <a:p>
+            <a:pPr algn="ctr"/>
+            <a:endParaRPr lang="en-US"/>
+          </a:p>
+        </p:txBody>
+      </p:sp>
+      <p:sp>
+        <p:nvSpPr>
+          <p:cNvPr id="50" name="TextBox 49">
+            <a:extLst>
+              <a:ext uri="{FF2B5EF4-FFF2-40B4-BE49-F238E27FC236}">
+                <a16:creationId xmlns:a16="http://schemas.microsoft.com/office/drawing/2014/main" id="{952E5ACB-BD8C-85E9-637A-1BECA117CC9C}"/>
+              </a:ext>
+            </a:extLst>
+          </p:cNvPr>
+          <p:cNvSpPr txBox="1"/>
+          <p:nvPr/>
+        </p:nvSpPr>
+        <p:spPr>
+          <a:xfrm>
+            <a:off x="5313931" y="2675576"/>
+            <a:ext cx="304892" cy="369332"/>
+          </a:xfrm>
+          <a:prstGeom prst="rect">
+            <a:avLst/>
+          </a:prstGeom>
+          <a:noFill/>
+        </p:spPr>
+        <p:txBody>
+          <a:bodyPr wrap="none" rtlCol="0">
+            <a:spAutoFit/>
+          </a:bodyPr>
+          <a:lstStyle/>
+          <a:p>
+            <a:r>
+              <a:rPr lang="en-US" dirty="0"/>
+              <a:t>X</a:t>
+            </a:r>
+          </a:p>
+        </p:txBody>
+      </p:sp>
+      <mc:AlternateContent xmlns:mc="http://schemas.openxmlformats.org/markup-compatibility/2006" xmlns:a14="http://schemas.microsoft.com/office/drawing/2010/main">
+        <mc:Choice Requires="a14">
+          <p:sp>
+            <p:nvSpPr>
+              <p:cNvPr id="52" name="TextBox 51">
+                <a:extLst>
+                  <a:ext uri="{FF2B5EF4-FFF2-40B4-BE49-F238E27FC236}">
+                    <a16:creationId xmlns:a16="http://schemas.microsoft.com/office/drawing/2014/main" id="{D3E14DE3-F190-4159-053D-2ACD1328198F}"/>
+                  </a:ext>
+                </a:extLst>
+              </p:cNvPr>
+              <p:cNvSpPr txBox="1"/>
+              <p:nvPr/>
+            </p:nvSpPr>
+            <p:spPr>
+              <a:xfrm>
+                <a:off x="5476177" y="3243253"/>
+                <a:ext cx="240835" cy="276999"/>
+              </a:xfrm>
+              <a:prstGeom prst="rect">
+                <a:avLst/>
+              </a:prstGeom>
+              <a:noFill/>
+            </p:spPr>
+            <p:txBody>
+              <a:bodyPr wrap="none" lIns="0" tIns="0" rIns="0" bIns="0" rtlCol="0">
+                <a:spAutoFit/>
+              </a:bodyPr>
+              <a:lstStyle/>
+              <a:p>
+                <a:pPr/>
+                <a14:m>
+                  <m:oMathPara xmlns:m="http://schemas.openxmlformats.org/officeDocument/2006/math">
+                    <m:oMathParaPr>
+                      <m:jc m:val="centerGroup"/>
+                    </m:oMathParaPr>
+                    <m:oMath xmlns:m="http://schemas.openxmlformats.org/officeDocument/2006/math">
+                      <m:acc>
+                        <m:accPr>
+                          <m:chr m:val="̃"/>
+                          <m:ctrlPr>
+                            <a:rPr lang="en-US" b="0" i="1" smtClean="0">
+                              <a:latin typeface="Cambria Math" panose="02040503050406030204" pitchFamily="18" charset="0"/>
+                            </a:rPr>
+                          </m:ctrlPr>
+                        </m:accPr>
+                        <m:e>
+                          <m:sSub>
+                            <m:sSubPr>
+                              <m:ctrlPr>
+                                <a:rPr lang="en-US" b="0" i="1" smtClean="0">
+                                  <a:latin typeface="Cambria Math" panose="02040503050406030204" pitchFamily="18" charset="0"/>
+                                </a:rPr>
+                              </m:ctrlPr>
+                            </m:sSubPr>
+                            <m:e>
+                              <m:r>
+                                <a:rPr lang="en-US" b="0" i="1" smtClean="0">
+                                  <a:latin typeface="Cambria Math" panose="02040503050406030204" pitchFamily="18" charset="0"/>
+                                </a:rPr>
+                                <m:t>𝑐</m:t>
+                              </m:r>
+                            </m:e>
+                            <m:sub>
+                              <m:r>
+                                <a:rPr lang="en-US" b="0" i="1" smtClean="0">
+                                  <a:latin typeface="Cambria Math" panose="02040503050406030204" pitchFamily="18" charset="0"/>
+                                </a:rPr>
+                                <m:t>𝑡</m:t>
+                              </m:r>
+                            </m:sub>
+                          </m:sSub>
+                        </m:e>
+                      </m:acc>
+                    </m:oMath>
+                  </m:oMathPara>
+                </a14:m>
+                <a:endParaRPr lang="en-US" dirty="0"/>
+              </a:p>
+            </p:txBody>
+          </p:sp>
+        </mc:Choice>
+        <mc:Fallback xmlns="">
+          <p:sp>
+            <p:nvSpPr>
+              <p:cNvPr id="52" name="TextBox 51">
+                <a:extLst>
+                  <a:ext uri="{FF2B5EF4-FFF2-40B4-BE49-F238E27FC236}">
+                    <a16:creationId xmlns:a16="http://schemas.microsoft.com/office/drawing/2014/main" id="{9D177EB8-8EE9-DB0F-2DE8-CA360324D510}"/>
+                  </a:ext>
+                </a:extLst>
+              </p:cNvPr>
+              <p:cNvSpPr txBox="1">
+                <a:spLocks noRot="1" noChangeAspect="1" noMove="1" noResize="1" noEditPoints="1" noAdjustHandles="1" noChangeArrowheads="1" noChangeShapeType="1" noTextEdit="1"/>
+              </p:cNvSpPr>
+              <p:nvPr/>
+            </p:nvSpPr>
+            <p:spPr>
+              <a:xfrm>
+                <a:off x="5476177" y="3243253"/>
+                <a:ext cx="240835" cy="276999"/>
+              </a:xfrm>
+              <a:prstGeom prst="rect">
+                <a:avLst/>
+              </a:prstGeom>
+              <a:blipFill>
+                <a:blip r:embed="rId10"/>
+                <a:stretch>
+                  <a:fillRect l="-15000" t="-8889" r="-45000" b="-15556"/>
+                </a:stretch>
+              </a:blipFill>
+            </p:spPr>
+            <p:txBody>
+              <a:bodyPr/>
+              <a:lstStyle/>
+              <a:p>
+                <a:r>
+                  <a:rPr lang="en-US">
+                    <a:noFill/>
+                  </a:rPr>
+                  <a:t> </a:t>
+                </a:r>
+              </a:p>
+            </p:txBody>
+          </p:sp>
+        </mc:Fallback>
+      </mc:AlternateContent>
+      <p:cxnSp>
+        <p:nvCxnSpPr>
+          <p:cNvPr id="54" name="Connector: Curved 53">
+            <a:extLst>
+              <a:ext uri="{FF2B5EF4-FFF2-40B4-BE49-F238E27FC236}">
+                <a16:creationId xmlns:a16="http://schemas.microsoft.com/office/drawing/2014/main" id="{96041033-2C61-3DD3-3356-033D2070C857}"/>
+              </a:ext>
+            </a:extLst>
+          </p:cNvPr>
+          <p:cNvCxnSpPr>
+            <a:cxnSpLocks/>
+            <a:stCxn id="5" idx="0"/>
+            <a:endCxn id="49" idx="2"/>
+          </p:cNvCxnSpPr>
+          <p:nvPr/>
+        </p:nvCxnSpPr>
+        <p:spPr>
+          <a:xfrm rot="5400000" flipH="1" flipV="1">
+            <a:off x="4663950" y="3023324"/>
+            <a:ext cx="791322" cy="425224"/>
+          </a:xfrm>
+          <a:prstGeom prst="curvedConnector2">
+            <a:avLst/>
+          </a:prstGeom>
+          <a:ln>
+            <a:tailEnd type="triangle"/>
+          </a:ln>
+        </p:spPr>
+        <p:style>
+          <a:lnRef idx="1">
+            <a:schemeClr val="accent1"/>
+          </a:lnRef>
+          <a:fillRef idx="0">
+            <a:schemeClr val="accent1"/>
+          </a:fillRef>
+          <a:effectRef idx="0">
+            <a:schemeClr val="accent1"/>
+          </a:effectRef>
+          <a:fontRef idx="minor">
+            <a:schemeClr val="tx1"/>
+          </a:fontRef>
+        </p:style>
+      </p:cxnSp>
+      <mc:AlternateContent xmlns:mc="http://schemas.openxmlformats.org/markup-compatibility/2006" xmlns:a14="http://schemas.microsoft.com/office/drawing/2010/main">
+        <mc:Choice Requires="a14">
+          <p:sp>
+            <p:nvSpPr>
+              <p:cNvPr id="57" name="TextBox 56">
+                <a:extLst>
+                  <a:ext uri="{FF2B5EF4-FFF2-40B4-BE49-F238E27FC236}">
+                    <a16:creationId xmlns:a16="http://schemas.microsoft.com/office/drawing/2014/main" id="{0B6F6CB6-2D2D-A7BA-9EA9-B37FC42D22BB}"/>
+                  </a:ext>
+                </a:extLst>
+              </p:cNvPr>
+              <p:cNvSpPr txBox="1"/>
+              <p:nvPr/>
+            </p:nvSpPr>
+            <p:spPr>
+              <a:xfrm>
+                <a:off x="4663567" y="3244759"/>
+                <a:ext cx="214418" cy="276999"/>
+              </a:xfrm>
+              <a:prstGeom prst="rect">
+                <a:avLst/>
+              </a:prstGeom>
+              <a:noFill/>
+            </p:spPr>
+            <p:txBody>
+              <a:bodyPr wrap="none" lIns="0" tIns="0" rIns="0" bIns="0" rtlCol="0">
+                <a:spAutoFit/>
+              </a:bodyPr>
+              <a:lstStyle/>
+              <a:p>
+                <a:pPr/>
+                <a14:m>
+                  <m:oMathPara xmlns:m="http://schemas.openxmlformats.org/officeDocument/2006/math">
+                    <m:oMathParaPr>
+                      <m:jc m:val="centerGroup"/>
+                    </m:oMathParaPr>
+                    <m:oMath xmlns:m="http://schemas.openxmlformats.org/officeDocument/2006/math">
+                      <m:sSub>
+                        <m:sSubPr>
+                          <m:ctrlPr>
+                            <a:rPr lang="en-US" b="0" i="1" smtClean="0">
+                              <a:latin typeface="Cambria Math" panose="02040503050406030204" pitchFamily="18" charset="0"/>
+                            </a:rPr>
+                          </m:ctrlPr>
+                        </m:sSubPr>
+                        <m:e>
+                          <m:r>
+                            <a:rPr lang="en-US" b="0" i="1" smtClean="0">
+                              <a:latin typeface="Cambria Math" panose="02040503050406030204" pitchFamily="18" charset="0"/>
+                            </a:rPr>
+                            <m:t>𝑖</m:t>
+                          </m:r>
+                        </m:e>
+                        <m:sub>
+                          <m:r>
+                            <a:rPr lang="en-US" b="0" i="1" smtClean="0">
+                              <a:latin typeface="Cambria Math" panose="02040503050406030204" pitchFamily="18" charset="0"/>
+                            </a:rPr>
+                            <m:t>𝑡</m:t>
+                          </m:r>
+                        </m:sub>
+                      </m:sSub>
+                    </m:oMath>
+                  </m:oMathPara>
+                </a14:m>
+                <a:endParaRPr lang="en-US" dirty="0"/>
+              </a:p>
+            </p:txBody>
+          </p:sp>
+        </mc:Choice>
+        <mc:Fallback xmlns="">
+          <p:sp>
+            <p:nvSpPr>
+              <p:cNvPr id="57" name="TextBox 56">
+                <a:extLst>
+                  <a:ext uri="{FF2B5EF4-FFF2-40B4-BE49-F238E27FC236}">
+                    <a16:creationId xmlns:a16="http://schemas.microsoft.com/office/drawing/2014/main" id="{2BDE91CD-1E55-8230-EB31-12B4C5715391}"/>
+                  </a:ext>
+                </a:extLst>
+              </p:cNvPr>
+              <p:cNvSpPr txBox="1">
+                <a:spLocks noRot="1" noChangeAspect="1" noMove="1" noResize="1" noEditPoints="1" noAdjustHandles="1" noChangeArrowheads="1" noChangeShapeType="1" noTextEdit="1"/>
+              </p:cNvSpPr>
+              <p:nvPr/>
+            </p:nvSpPr>
+            <p:spPr>
+              <a:xfrm>
+                <a:off x="4663567" y="3244759"/>
+                <a:ext cx="214418" cy="276999"/>
+              </a:xfrm>
+              <a:prstGeom prst="rect">
+                <a:avLst/>
+              </a:prstGeom>
+              <a:blipFill>
+                <a:blip r:embed="rId11"/>
+                <a:stretch>
+                  <a:fillRect l="-28571" r="-5714" b="-13043"/>
+                </a:stretch>
+              </a:blipFill>
+            </p:spPr>
+            <p:txBody>
+              <a:bodyPr/>
+              <a:lstStyle/>
+              <a:p>
+                <a:r>
+                  <a:rPr lang="en-US">
+                    <a:noFill/>
+                  </a:rPr>
+                  <a:t> </a:t>
+                </a:r>
+              </a:p>
+            </p:txBody>
+          </p:sp>
+        </mc:Fallback>
+      </mc:AlternateContent>
+      <p:sp>
+        <p:nvSpPr>
+          <p:cNvPr id="58" name="Oval 57">
+            <a:extLst>
+              <a:ext uri="{FF2B5EF4-FFF2-40B4-BE49-F238E27FC236}">
+                <a16:creationId xmlns:a16="http://schemas.microsoft.com/office/drawing/2014/main" id="{A68FAEA5-0B5E-E79B-70DF-376409F083EE}"/>
+              </a:ext>
+            </a:extLst>
+          </p:cNvPr>
+          <p:cNvSpPr/>
+          <p:nvPr/>
+        </p:nvSpPr>
+        <p:spPr>
+          <a:xfrm>
+            <a:off x="4201552" y="1912951"/>
+            <a:ext cx="388309" cy="388309"/>
+          </a:xfrm>
+          <a:prstGeom prst="ellipse">
+            <a:avLst/>
+          </a:prstGeom>
+          <a:noFill/>
+          <a:ln>
+            <a:solidFill>
+              <a:schemeClr val="tx1"/>
+            </a:solidFill>
+          </a:ln>
+        </p:spPr>
+        <p:style>
+          <a:lnRef idx="2">
+            <a:schemeClr val="accent1">
+              <a:shade val="15000"/>
+            </a:schemeClr>
+          </a:lnRef>
+          <a:fillRef idx="1">
+            <a:schemeClr val="accent1"/>
+          </a:fillRef>
+          <a:effectRef idx="0">
+            <a:schemeClr val="accent1"/>
+          </a:effectRef>
+          <a:fontRef idx="minor">
+            <a:schemeClr val="lt1"/>
+          </a:fontRef>
+        </p:style>
+        <p:txBody>
+          <a:bodyPr rtlCol="0" anchor="ctr"/>
+          <a:lstStyle/>
+          <a:p>
+            <a:pPr algn="ctr"/>
+            <a:endParaRPr lang="en-US"/>
+          </a:p>
+        </p:txBody>
+      </p:sp>
+      <p:sp>
+        <p:nvSpPr>
+          <p:cNvPr id="59" name="TextBox 58">
+            <a:extLst>
+              <a:ext uri="{FF2B5EF4-FFF2-40B4-BE49-F238E27FC236}">
+                <a16:creationId xmlns:a16="http://schemas.microsoft.com/office/drawing/2014/main" id="{B9B846CB-DCC3-B23E-B912-DB802194CA0C}"/>
+              </a:ext>
+            </a:extLst>
+          </p:cNvPr>
+          <p:cNvSpPr txBox="1"/>
+          <p:nvPr/>
+        </p:nvSpPr>
+        <p:spPr>
+          <a:xfrm>
+            <a:off x="4243260" y="1942407"/>
+            <a:ext cx="304892" cy="369332"/>
+          </a:xfrm>
+          <a:prstGeom prst="rect">
+            <a:avLst/>
+          </a:prstGeom>
+          <a:noFill/>
+        </p:spPr>
+        <p:txBody>
+          <a:bodyPr wrap="none" rtlCol="0">
+            <a:spAutoFit/>
+          </a:bodyPr>
+          <a:lstStyle/>
+          <a:p>
+            <a:r>
+              <a:rPr lang="en-US" dirty="0"/>
+              <a:t>X</a:t>
+            </a:r>
+          </a:p>
+        </p:txBody>
+      </p:sp>
+      <p:sp>
+        <p:nvSpPr>
+          <p:cNvPr id="61" name="Oval 60">
+            <a:extLst>
+              <a:ext uri="{FF2B5EF4-FFF2-40B4-BE49-F238E27FC236}">
+                <a16:creationId xmlns:a16="http://schemas.microsoft.com/office/drawing/2014/main" id="{970F2FAD-C512-B50A-7DA3-603AEF640C3E}"/>
+              </a:ext>
+            </a:extLst>
+          </p:cNvPr>
+          <p:cNvSpPr/>
+          <p:nvPr/>
+        </p:nvSpPr>
+        <p:spPr>
+          <a:xfrm>
+            <a:off x="5272222" y="1911296"/>
+            <a:ext cx="388309" cy="388309"/>
+          </a:xfrm>
+          <a:prstGeom prst="ellipse">
+            <a:avLst/>
+          </a:prstGeom>
+          <a:noFill/>
+          <a:ln>
+            <a:solidFill>
+              <a:schemeClr val="tx1"/>
+            </a:solidFill>
+          </a:ln>
+        </p:spPr>
+        <p:style>
+          <a:lnRef idx="2">
+            <a:schemeClr val="accent1">
+              <a:shade val="15000"/>
+            </a:schemeClr>
+          </a:lnRef>
+          <a:fillRef idx="1">
+            <a:schemeClr val="accent1"/>
+          </a:fillRef>
+          <a:effectRef idx="0">
+            <a:schemeClr val="accent1"/>
+          </a:effectRef>
+          <a:fontRef idx="minor">
+            <a:schemeClr val="lt1"/>
+          </a:fontRef>
+        </p:style>
+        <p:txBody>
+          <a:bodyPr rtlCol="0" anchor="ctr"/>
+          <a:lstStyle/>
+          <a:p>
+            <a:pPr algn="ctr"/>
+            <a:endParaRPr lang="en-US"/>
+          </a:p>
+        </p:txBody>
+      </p:sp>
+      <p:sp>
+        <p:nvSpPr>
+          <p:cNvPr id="62" name="TextBox 61">
+            <a:extLst>
+              <a:ext uri="{FF2B5EF4-FFF2-40B4-BE49-F238E27FC236}">
+                <a16:creationId xmlns:a16="http://schemas.microsoft.com/office/drawing/2014/main" id="{76C97544-C4C4-8ADE-BDA4-2377F2DE3784}"/>
+              </a:ext>
+            </a:extLst>
+          </p:cNvPr>
+          <p:cNvSpPr txBox="1"/>
+          <p:nvPr/>
+        </p:nvSpPr>
+        <p:spPr>
+          <a:xfrm>
+            <a:off x="5318741" y="1916698"/>
+            <a:ext cx="300082" cy="369332"/>
+          </a:xfrm>
+          <a:prstGeom prst="rect">
+            <a:avLst/>
+          </a:prstGeom>
+          <a:noFill/>
+        </p:spPr>
+        <p:txBody>
+          <a:bodyPr wrap="none" rtlCol="0">
+            <a:spAutoFit/>
+          </a:bodyPr>
+          <a:lstStyle/>
+          <a:p>
+            <a:r>
+              <a:rPr lang="en-US" dirty="0"/>
+              <a:t>+</a:t>
+            </a:r>
+          </a:p>
+        </p:txBody>
+      </p:sp>
+      <p:cxnSp>
+        <p:nvCxnSpPr>
+          <p:cNvPr id="64" name="Straight Arrow Connector 63">
+            <a:extLst>
+              <a:ext uri="{FF2B5EF4-FFF2-40B4-BE49-F238E27FC236}">
+                <a16:creationId xmlns:a16="http://schemas.microsoft.com/office/drawing/2014/main" id="{507D882A-C078-EDC0-BDA1-3FAAEDD54A1F}"/>
+              </a:ext>
+            </a:extLst>
+          </p:cNvPr>
+          <p:cNvCxnSpPr>
+            <a:cxnSpLocks/>
+            <a:stCxn id="49" idx="0"/>
+            <a:endCxn id="61" idx="4"/>
+          </p:cNvCxnSpPr>
+          <p:nvPr/>
+        </p:nvCxnSpPr>
+        <p:spPr>
+          <a:xfrm flipH="1" flipV="1">
+            <a:off x="5466377" y="2299605"/>
+            <a:ext cx="1" cy="346515"/>
+          </a:xfrm>
+          <a:prstGeom prst="straightConnector1">
+            <a:avLst/>
+          </a:prstGeom>
+          <a:ln>
+            <a:tailEnd type="triangle"/>
+          </a:ln>
+        </p:spPr>
+        <p:style>
+          <a:lnRef idx="1">
+            <a:schemeClr val="accent1"/>
+          </a:lnRef>
+          <a:fillRef idx="0">
+            <a:schemeClr val="accent1"/>
+          </a:fillRef>
+          <a:effectRef idx="0">
+            <a:schemeClr val="accent1"/>
+          </a:effectRef>
+          <a:fontRef idx="minor">
+            <a:schemeClr val="tx1"/>
+          </a:fontRef>
+        </p:style>
+      </p:cxnSp>
+      <p:cxnSp>
+        <p:nvCxnSpPr>
+          <p:cNvPr id="67" name="Straight Arrow Connector 66">
+            <a:extLst>
+              <a:ext uri="{FF2B5EF4-FFF2-40B4-BE49-F238E27FC236}">
+                <a16:creationId xmlns:a16="http://schemas.microsoft.com/office/drawing/2014/main" id="{6ECD680A-3A13-89A6-8F5A-64ED50BF4726}"/>
+              </a:ext>
+            </a:extLst>
+          </p:cNvPr>
+          <p:cNvCxnSpPr>
+            <a:cxnSpLocks/>
+            <a:stCxn id="58" idx="6"/>
+            <a:endCxn id="61" idx="2"/>
+          </p:cNvCxnSpPr>
+          <p:nvPr/>
+        </p:nvCxnSpPr>
+        <p:spPr>
+          <a:xfrm flipV="1">
+            <a:off x="4589861" y="2105451"/>
+            <a:ext cx="682361" cy="1655"/>
+          </a:xfrm>
+          <a:prstGeom prst="straightConnector1">
+            <a:avLst/>
+          </a:prstGeom>
+          <a:ln>
+            <a:tailEnd type="triangle"/>
+          </a:ln>
+        </p:spPr>
+        <p:style>
+          <a:lnRef idx="1">
+            <a:schemeClr val="accent1"/>
+          </a:lnRef>
+          <a:fillRef idx="0">
+            <a:schemeClr val="accent1"/>
+          </a:fillRef>
+          <a:effectRef idx="0">
+            <a:schemeClr val="accent1"/>
+          </a:effectRef>
+          <a:fontRef idx="minor">
+            <a:schemeClr val="tx1"/>
+          </a:fontRef>
+        </p:style>
+      </p:cxnSp>
+      <mc:AlternateContent xmlns:mc="http://schemas.openxmlformats.org/markup-compatibility/2006" xmlns:a14="http://schemas.microsoft.com/office/drawing/2010/main">
+        <mc:Choice Requires="a14">
+          <p:sp>
+            <p:nvSpPr>
+              <p:cNvPr id="81" name="TextBox 80">
+                <a:extLst>
+                  <a:ext uri="{FF2B5EF4-FFF2-40B4-BE49-F238E27FC236}">
+                    <a16:creationId xmlns:a16="http://schemas.microsoft.com/office/drawing/2014/main" id="{9B3D0385-71FB-F42C-6E5B-6771938CDF31}"/>
+                  </a:ext>
+                </a:extLst>
+              </p:cNvPr>
+              <p:cNvSpPr txBox="1"/>
+              <p:nvPr/>
+            </p:nvSpPr>
+            <p:spPr>
+              <a:xfrm>
+                <a:off x="5968767" y="2059852"/>
+                <a:ext cx="240835" cy="276999"/>
+              </a:xfrm>
+              <a:prstGeom prst="rect">
+                <a:avLst/>
+              </a:prstGeom>
+              <a:noFill/>
+            </p:spPr>
+            <p:txBody>
+              <a:bodyPr wrap="none" lIns="0" tIns="0" rIns="0" bIns="0" rtlCol="0">
+                <a:spAutoFit/>
+              </a:bodyPr>
+              <a:lstStyle/>
+              <a:p>
+                <a:pPr/>
+                <a14:m>
+                  <m:oMathPara xmlns:m="http://schemas.openxmlformats.org/officeDocument/2006/math">
+                    <m:oMathParaPr>
+                      <m:jc m:val="centerGroup"/>
+                    </m:oMathParaPr>
+                    <m:oMath xmlns:m="http://schemas.openxmlformats.org/officeDocument/2006/math">
+                      <m:sSub>
+                        <m:sSubPr>
+                          <m:ctrlPr>
+                            <a:rPr lang="en-US" b="0" i="1" smtClean="0">
+                              <a:latin typeface="Cambria Math" panose="02040503050406030204" pitchFamily="18" charset="0"/>
+                            </a:rPr>
+                          </m:ctrlPr>
+                        </m:sSubPr>
+                        <m:e>
+                          <m:r>
+                            <a:rPr lang="en-US" b="0" i="1" smtClean="0">
+                              <a:latin typeface="Cambria Math" panose="02040503050406030204" pitchFamily="18" charset="0"/>
+                            </a:rPr>
+                            <m:t>𝑐</m:t>
+                          </m:r>
+                        </m:e>
+                        <m:sub>
+                          <m:r>
+                            <a:rPr lang="en-US" b="0" i="1" smtClean="0">
+                              <a:latin typeface="Cambria Math" panose="02040503050406030204" pitchFamily="18" charset="0"/>
+                            </a:rPr>
+                            <m:t>𝑡</m:t>
+                          </m:r>
+                        </m:sub>
+                      </m:sSub>
+                    </m:oMath>
+                  </m:oMathPara>
+                </a14:m>
+                <a:endParaRPr lang="en-US" dirty="0"/>
+              </a:p>
+            </p:txBody>
+          </p:sp>
+        </mc:Choice>
+        <mc:Fallback xmlns="">
+          <p:sp>
+            <p:nvSpPr>
+              <p:cNvPr id="81" name="TextBox 80">
+                <a:extLst>
+                  <a:ext uri="{FF2B5EF4-FFF2-40B4-BE49-F238E27FC236}">
+                    <a16:creationId xmlns:a16="http://schemas.microsoft.com/office/drawing/2014/main" id="{98BE4BED-ECEF-10E5-1878-1D7C8B0485C7}"/>
+                  </a:ext>
+                </a:extLst>
+              </p:cNvPr>
+              <p:cNvSpPr txBox="1">
+                <a:spLocks noRot="1" noChangeAspect="1" noMove="1" noResize="1" noEditPoints="1" noAdjustHandles="1" noChangeArrowheads="1" noChangeShapeType="1" noTextEdit="1"/>
+              </p:cNvSpPr>
+              <p:nvPr/>
+            </p:nvSpPr>
+            <p:spPr>
+              <a:xfrm>
+                <a:off x="5968767" y="2059852"/>
+                <a:ext cx="240835" cy="276999"/>
+              </a:xfrm>
+              <a:prstGeom prst="rect">
+                <a:avLst/>
+              </a:prstGeom>
+              <a:blipFill>
+                <a:blip r:embed="rId12"/>
+                <a:stretch>
+                  <a:fillRect l="-15000" r="-2500" b="-15556"/>
+                </a:stretch>
+              </a:blipFill>
+            </p:spPr>
+            <p:txBody>
+              <a:bodyPr/>
+              <a:lstStyle/>
+              <a:p>
+                <a:r>
+                  <a:rPr lang="en-US">
+                    <a:noFill/>
+                  </a:rPr>
+                  <a:t> </a:t>
+                </a:r>
+              </a:p>
+            </p:txBody>
+          </p:sp>
+        </mc:Fallback>
+      </mc:AlternateContent>
+      <p:sp>
+        <p:nvSpPr>
+          <p:cNvPr id="82" name="Oval 81">
+            <a:extLst>
+              <a:ext uri="{FF2B5EF4-FFF2-40B4-BE49-F238E27FC236}">
+                <a16:creationId xmlns:a16="http://schemas.microsoft.com/office/drawing/2014/main" id="{9D80D925-0532-BE1B-F94F-F986BBBA03D5}"/>
+              </a:ext>
+            </a:extLst>
+          </p:cNvPr>
+          <p:cNvSpPr/>
+          <p:nvPr/>
+        </p:nvSpPr>
+        <p:spPr>
+          <a:xfrm>
+            <a:off x="7029123" y="4107784"/>
+            <a:ext cx="388309" cy="388309"/>
+          </a:xfrm>
+          <a:prstGeom prst="ellipse">
+            <a:avLst/>
+          </a:prstGeom>
+          <a:noFill/>
+          <a:ln>
+            <a:solidFill>
+              <a:schemeClr val="tx1"/>
+            </a:solidFill>
+          </a:ln>
+        </p:spPr>
+        <p:style>
+          <a:lnRef idx="2">
+            <a:schemeClr val="accent1">
+              <a:shade val="15000"/>
+            </a:schemeClr>
+          </a:lnRef>
+          <a:fillRef idx="1">
+            <a:schemeClr val="accent1"/>
+          </a:fillRef>
+          <a:effectRef idx="0">
+            <a:schemeClr val="accent1"/>
+          </a:effectRef>
+          <a:fontRef idx="minor">
+            <a:schemeClr val="lt1"/>
+          </a:fontRef>
+        </p:style>
+        <p:txBody>
+          <a:bodyPr rtlCol="0" anchor="ctr"/>
+          <a:lstStyle/>
+          <a:p>
+            <a:pPr algn="ctr"/>
+            <a:endParaRPr lang="en-US"/>
+          </a:p>
+        </p:txBody>
+      </p:sp>
+      <p:sp>
+        <p:nvSpPr>
+          <p:cNvPr id="83" name="TextBox 82">
+            <a:extLst>
+              <a:ext uri="{FF2B5EF4-FFF2-40B4-BE49-F238E27FC236}">
+                <a16:creationId xmlns:a16="http://schemas.microsoft.com/office/drawing/2014/main" id="{9817F9D5-93EF-5796-5285-371F2D9F7B51}"/>
+              </a:ext>
+            </a:extLst>
+          </p:cNvPr>
+          <p:cNvSpPr txBox="1"/>
+          <p:nvPr/>
+        </p:nvSpPr>
+        <p:spPr>
+          <a:xfrm>
+            <a:off x="7070831" y="4116610"/>
+            <a:ext cx="304892" cy="369332"/>
+          </a:xfrm>
+          <a:prstGeom prst="rect">
+            <a:avLst/>
+          </a:prstGeom>
+          <a:noFill/>
+        </p:spPr>
+        <p:txBody>
+          <a:bodyPr wrap="none" rtlCol="0">
+            <a:spAutoFit/>
+          </a:bodyPr>
+          <a:lstStyle/>
+          <a:p>
+            <a:r>
+              <a:rPr lang="en-US" dirty="0"/>
+              <a:t>X</a:t>
+            </a:r>
+          </a:p>
+        </p:txBody>
+      </p:sp>
+      <p:cxnSp>
+        <p:nvCxnSpPr>
+          <p:cNvPr id="84" name="Straight Arrow Connector 83">
+            <a:extLst>
+              <a:ext uri="{FF2B5EF4-FFF2-40B4-BE49-F238E27FC236}">
+                <a16:creationId xmlns:a16="http://schemas.microsoft.com/office/drawing/2014/main" id="{896F2E8B-670F-D5C1-27CA-0EC55F470336}"/>
+              </a:ext>
+            </a:extLst>
+          </p:cNvPr>
+          <p:cNvCxnSpPr>
+            <a:cxnSpLocks/>
+            <a:endCxn id="58" idx="2"/>
+          </p:cNvCxnSpPr>
+          <p:nvPr/>
+        </p:nvCxnSpPr>
+        <p:spPr>
+          <a:xfrm>
+            <a:off x="3198706" y="2101363"/>
+            <a:ext cx="1002846" cy="5743"/>
+          </a:xfrm>
+          <a:prstGeom prst="straightConnector1">
+            <a:avLst/>
+          </a:prstGeom>
+          <a:ln>
+            <a:tailEnd type="triangle"/>
+          </a:ln>
+        </p:spPr>
+        <p:style>
+          <a:lnRef idx="1">
+            <a:schemeClr val="accent1"/>
+          </a:lnRef>
+          <a:fillRef idx="0">
+            <a:schemeClr val="accent1"/>
+          </a:fillRef>
+          <a:effectRef idx="0">
+            <a:schemeClr val="accent1"/>
+          </a:effectRef>
+          <a:fontRef idx="minor">
+            <a:schemeClr val="tx1"/>
+          </a:fontRef>
+        </p:style>
+      </p:cxnSp>
+      <mc:AlternateContent xmlns:mc="http://schemas.openxmlformats.org/markup-compatibility/2006">
+        <mc:Choice xmlns:a14="http://schemas.microsoft.com/office/drawing/2010/main" Requires="a14">
+          <p:sp>
+            <p:nvSpPr>
+              <p:cNvPr id="87" name="TextBox 86">
+                <a:extLst>
+                  <a:ext uri="{FF2B5EF4-FFF2-40B4-BE49-F238E27FC236}">
+                    <a16:creationId xmlns:a16="http://schemas.microsoft.com/office/drawing/2014/main" id="{16AF0559-15A5-3BCB-5029-8AF1CB4E814B}"/>
+                  </a:ext>
+                </a:extLst>
+              </p:cNvPr>
+              <p:cNvSpPr txBox="1"/>
+              <p:nvPr/>
+            </p:nvSpPr>
+            <p:spPr>
+              <a:xfrm>
+                <a:off x="2621102" y="1962864"/>
+                <a:ext cx="460447" cy="276999"/>
+              </a:xfrm>
+              <a:prstGeom prst="rect">
+                <a:avLst/>
+              </a:prstGeom>
+              <a:noFill/>
+            </p:spPr>
+            <p:txBody>
+              <a:bodyPr wrap="none" lIns="0" tIns="0" rIns="0" bIns="0" rtlCol="0">
+                <a:spAutoFit/>
+              </a:bodyPr>
+              <a:lstStyle/>
+              <a:p>
+                <a:pPr/>
+                <a14:m>
+                  <m:oMathPara xmlns:m="http://schemas.openxmlformats.org/officeDocument/2006/math">
+                    <m:oMathParaPr>
+                      <m:jc m:val="centerGroup"/>
+                    </m:oMathParaPr>
+                    <m:oMath xmlns:m="http://schemas.openxmlformats.org/officeDocument/2006/math">
+                      <m:sSub>
+                        <m:sSubPr>
+                          <m:ctrlPr>
+                            <a:rPr lang="en-US" b="0" i="1" smtClean="0">
+                              <a:latin typeface="Cambria Math" panose="02040503050406030204" pitchFamily="18" charset="0"/>
+                            </a:rPr>
+                          </m:ctrlPr>
+                        </m:sSubPr>
+                        <m:e>
+                          <m:r>
+                            <a:rPr lang="en-US" b="0" i="1" smtClean="0">
+                              <a:latin typeface="Cambria Math" panose="02040503050406030204" pitchFamily="18" charset="0"/>
+                            </a:rPr>
+                            <m:t>𝑐</m:t>
+                          </m:r>
+                        </m:e>
+                        <m:sub>
+                          <m:r>
+                            <a:rPr lang="en-US" b="0" i="1" smtClean="0">
+                              <a:latin typeface="Cambria Math" panose="02040503050406030204" pitchFamily="18" charset="0"/>
+                            </a:rPr>
+                            <m:t>𝑡</m:t>
+                          </m:r>
+                          <m:r>
+                            <a:rPr lang="en-US" b="0" i="1" smtClean="0">
+                              <a:latin typeface="Cambria Math" panose="02040503050406030204" pitchFamily="18" charset="0"/>
+                            </a:rPr>
+                            <m:t>−1</m:t>
+                          </m:r>
+                        </m:sub>
+                      </m:sSub>
+                    </m:oMath>
+                  </m:oMathPara>
+                </a14:m>
+                <a:endParaRPr lang="en-US" dirty="0"/>
+              </a:p>
+            </p:txBody>
+          </p:sp>
+        </mc:Choice>
+        <mc:Fallback>
+          <p:sp>
+            <p:nvSpPr>
+              <p:cNvPr id="87" name="TextBox 86">
+                <a:extLst>
+                  <a:ext uri="{FF2B5EF4-FFF2-40B4-BE49-F238E27FC236}">
+                    <a16:creationId xmlns:a16="http://schemas.microsoft.com/office/drawing/2014/main" id="{16AF0559-15A5-3BCB-5029-8AF1CB4E814B}"/>
+                  </a:ext>
+                </a:extLst>
+              </p:cNvPr>
+              <p:cNvSpPr txBox="1">
+                <a:spLocks noRot="1" noChangeAspect="1" noMove="1" noResize="1" noEditPoints="1" noAdjustHandles="1" noChangeArrowheads="1" noChangeShapeType="1" noTextEdit="1"/>
+              </p:cNvSpPr>
+              <p:nvPr/>
+            </p:nvSpPr>
+            <p:spPr>
+              <a:xfrm>
+                <a:off x="2621102" y="1962864"/>
+                <a:ext cx="460447" cy="276999"/>
+              </a:xfrm>
+              <a:prstGeom prst="rect">
+                <a:avLst/>
+              </a:prstGeom>
+              <a:blipFill>
+                <a:blip r:embed="rId13"/>
+                <a:stretch>
+                  <a:fillRect l="-6579" r="-3947" b="-15556"/>
+                </a:stretch>
+              </a:blipFill>
+            </p:spPr>
+            <p:txBody>
+              <a:bodyPr/>
+              <a:lstStyle/>
+              <a:p>
+                <a:r>
+                  <a:rPr lang="en-US">
+                    <a:noFill/>
+                  </a:rPr>
+                  <a:t> </a:t>
+                </a:r>
+              </a:p>
+            </p:txBody>
+          </p:sp>
+        </mc:Fallback>
+      </mc:AlternateContent>
+      <p:cxnSp>
+        <p:nvCxnSpPr>
+          <p:cNvPr id="90" name="Connector: Curved 89">
+            <a:extLst>
+              <a:ext uri="{FF2B5EF4-FFF2-40B4-BE49-F238E27FC236}">
+                <a16:creationId xmlns:a16="http://schemas.microsoft.com/office/drawing/2014/main" id="{82ED00E2-832A-FF16-02FE-09C81FC4D451}"/>
+              </a:ext>
+            </a:extLst>
+          </p:cNvPr>
+          <p:cNvCxnSpPr>
+            <a:cxnSpLocks/>
+            <a:stCxn id="7" idx="0"/>
+            <a:endCxn id="82" idx="2"/>
+          </p:cNvCxnSpPr>
+          <p:nvPr/>
+        </p:nvCxnSpPr>
+        <p:spPr>
+          <a:xfrm rot="16200000" flipH="1">
+            <a:off x="6273521" y="3546337"/>
+            <a:ext cx="670343" cy="840860"/>
+          </a:xfrm>
+          <a:prstGeom prst="curvedConnector4">
+            <a:avLst>
+              <a:gd name="adj1" fmla="val -34102"/>
+              <a:gd name="adj2" fmla="val 55744"/>
+            </a:avLst>
+          </a:prstGeom>
+          <a:ln>
+            <a:tailEnd type="triangle"/>
+          </a:ln>
+        </p:spPr>
+        <p:style>
+          <a:lnRef idx="1">
+            <a:schemeClr val="accent1"/>
+          </a:lnRef>
+          <a:fillRef idx="0">
+            <a:schemeClr val="accent1"/>
+          </a:fillRef>
+          <a:effectRef idx="0">
+            <a:schemeClr val="accent1"/>
+          </a:effectRef>
+          <a:fontRef idx="minor">
+            <a:schemeClr val="tx1"/>
+          </a:fontRef>
+        </p:style>
+      </p:cxnSp>
+      <mc:AlternateContent xmlns:mc="http://schemas.openxmlformats.org/markup-compatibility/2006" xmlns:a14="http://schemas.microsoft.com/office/drawing/2010/main">
+        <mc:Choice Requires="a14">
+          <p:sp>
+            <p:nvSpPr>
+              <p:cNvPr id="92" name="TextBox 91">
+                <a:extLst>
+                  <a:ext uri="{FF2B5EF4-FFF2-40B4-BE49-F238E27FC236}">
+                    <a16:creationId xmlns:a16="http://schemas.microsoft.com/office/drawing/2014/main" id="{5E485727-8608-FB57-5F9F-21ADE2B12AE3}"/>
+                  </a:ext>
+                </a:extLst>
+              </p:cNvPr>
+              <p:cNvSpPr txBox="1"/>
+              <p:nvPr/>
+            </p:nvSpPr>
+            <p:spPr>
+              <a:xfrm>
+                <a:off x="6001587" y="3243253"/>
+                <a:ext cx="256802" cy="276999"/>
+              </a:xfrm>
+              <a:prstGeom prst="rect">
+                <a:avLst/>
+              </a:prstGeom>
+              <a:noFill/>
+            </p:spPr>
+            <p:txBody>
+              <a:bodyPr wrap="none" lIns="0" tIns="0" rIns="0" bIns="0" rtlCol="0">
+                <a:spAutoFit/>
+              </a:bodyPr>
+              <a:lstStyle/>
+              <a:p>
+                <a:pPr/>
+                <a14:m>
+                  <m:oMathPara xmlns:m="http://schemas.openxmlformats.org/officeDocument/2006/math">
+                    <m:oMathParaPr>
+                      <m:jc m:val="centerGroup"/>
+                    </m:oMathParaPr>
+                    <m:oMath xmlns:m="http://schemas.openxmlformats.org/officeDocument/2006/math">
+                      <m:sSub>
+                        <m:sSubPr>
+                          <m:ctrlPr>
+                            <a:rPr lang="en-US" b="0" i="1" smtClean="0">
+                              <a:latin typeface="Cambria Math" panose="02040503050406030204" pitchFamily="18" charset="0"/>
+                            </a:rPr>
+                          </m:ctrlPr>
+                        </m:sSubPr>
+                        <m:e>
+                          <m:r>
+                            <a:rPr lang="en-US" b="0" i="1" smtClean="0">
+                              <a:latin typeface="Cambria Math" panose="02040503050406030204" pitchFamily="18" charset="0"/>
+                            </a:rPr>
+                            <m:t>𝑜</m:t>
+                          </m:r>
+                        </m:e>
+                        <m:sub>
+                          <m:r>
+                            <a:rPr lang="en-US" b="0" i="1" smtClean="0">
+                              <a:latin typeface="Cambria Math" panose="02040503050406030204" pitchFamily="18" charset="0"/>
+                            </a:rPr>
+                            <m:t>𝑡</m:t>
+                          </m:r>
+                        </m:sub>
+                      </m:sSub>
+                    </m:oMath>
+                  </m:oMathPara>
+                </a14:m>
+                <a:endParaRPr lang="en-US" dirty="0"/>
+              </a:p>
+            </p:txBody>
+          </p:sp>
+        </mc:Choice>
+        <mc:Fallback xmlns="">
+          <p:sp>
+            <p:nvSpPr>
+              <p:cNvPr id="92" name="TextBox 91">
+                <a:extLst>
+                  <a:ext uri="{FF2B5EF4-FFF2-40B4-BE49-F238E27FC236}">
+                    <a16:creationId xmlns:a16="http://schemas.microsoft.com/office/drawing/2014/main" id="{7377682D-F38D-1F49-FD65-FDC78E29DF07}"/>
+                  </a:ext>
+                </a:extLst>
+              </p:cNvPr>
+              <p:cNvSpPr txBox="1">
+                <a:spLocks noRot="1" noChangeAspect="1" noMove="1" noResize="1" noEditPoints="1" noAdjustHandles="1" noChangeArrowheads="1" noChangeShapeType="1" noTextEdit="1"/>
+              </p:cNvSpPr>
+              <p:nvPr/>
+            </p:nvSpPr>
+            <p:spPr>
+              <a:xfrm>
+                <a:off x="6001587" y="3243253"/>
+                <a:ext cx="256802" cy="276999"/>
+              </a:xfrm>
+              <a:prstGeom prst="rect">
+                <a:avLst/>
+              </a:prstGeom>
+              <a:blipFill>
+                <a:blip r:embed="rId14"/>
+                <a:stretch>
+                  <a:fillRect l="-14286" r="-4762" b="-15556"/>
+                </a:stretch>
+              </a:blipFill>
+            </p:spPr>
+            <p:txBody>
+              <a:bodyPr/>
+              <a:lstStyle/>
+              <a:p>
+                <a:r>
+                  <a:rPr lang="en-US">
+                    <a:noFill/>
+                  </a:rPr>
+                  <a:t> </a:t>
+                </a:r>
+              </a:p>
+            </p:txBody>
+          </p:sp>
+        </mc:Fallback>
+      </mc:AlternateContent>
+      <p:cxnSp>
+        <p:nvCxnSpPr>
+          <p:cNvPr id="94" name="Straight Arrow Connector 93">
+            <a:extLst>
+              <a:ext uri="{FF2B5EF4-FFF2-40B4-BE49-F238E27FC236}">
+                <a16:creationId xmlns:a16="http://schemas.microsoft.com/office/drawing/2014/main" id="{82F52225-B387-46EF-2D46-3C06D8ED408F}"/>
+              </a:ext>
+            </a:extLst>
+          </p:cNvPr>
+          <p:cNvCxnSpPr>
+            <a:cxnSpLocks/>
+            <a:stCxn id="8" idx="2"/>
+            <a:endCxn id="82" idx="0"/>
+          </p:cNvCxnSpPr>
+          <p:nvPr/>
+        </p:nvCxnSpPr>
+        <p:spPr>
+          <a:xfrm flipH="1">
+            <a:off x="7223278" y="3554558"/>
+            <a:ext cx="7899" cy="553226"/>
+          </a:xfrm>
+          <a:prstGeom prst="straightConnector1">
+            <a:avLst/>
+          </a:prstGeom>
+          <a:ln>
+            <a:tailEnd type="triangle"/>
+          </a:ln>
+        </p:spPr>
+        <p:style>
+          <a:lnRef idx="1">
+            <a:schemeClr val="accent1"/>
+          </a:lnRef>
+          <a:fillRef idx="0">
+            <a:schemeClr val="accent1"/>
+          </a:fillRef>
+          <a:effectRef idx="0">
+            <a:schemeClr val="accent1"/>
+          </a:effectRef>
+          <a:fontRef idx="minor">
+            <a:schemeClr val="tx1"/>
+          </a:fontRef>
+        </p:style>
+      </p:cxnSp>
+      <p:cxnSp>
+        <p:nvCxnSpPr>
+          <p:cNvPr id="109" name="Connector: Curved 108">
+            <a:extLst>
+              <a:ext uri="{FF2B5EF4-FFF2-40B4-BE49-F238E27FC236}">
+                <a16:creationId xmlns:a16="http://schemas.microsoft.com/office/drawing/2014/main" id="{4931C505-1B47-9897-BB43-3EE147AEFF70}"/>
+              </a:ext>
+            </a:extLst>
+          </p:cNvPr>
+          <p:cNvCxnSpPr>
+            <a:cxnSpLocks/>
+            <a:endCxn id="8" idx="0"/>
+          </p:cNvCxnSpPr>
+          <p:nvPr/>
+        </p:nvCxnSpPr>
+        <p:spPr>
+          <a:xfrm>
+            <a:off x="6049430" y="2117067"/>
+            <a:ext cx="1181747" cy="1160492"/>
+          </a:xfrm>
+          <a:prstGeom prst="curvedConnector2">
+            <a:avLst/>
+          </a:prstGeom>
+          <a:ln>
+            <a:tailEnd type="triangle"/>
+          </a:ln>
+        </p:spPr>
+        <p:style>
+          <a:lnRef idx="1">
+            <a:schemeClr val="accent1"/>
+          </a:lnRef>
+          <a:fillRef idx="0">
+            <a:schemeClr val="accent1"/>
+          </a:fillRef>
+          <a:effectRef idx="0">
+            <a:schemeClr val="accent1"/>
+          </a:effectRef>
+          <a:fontRef idx="minor">
+            <a:schemeClr val="tx1"/>
+          </a:fontRef>
+        </p:style>
+      </p:cxnSp>
+      <mc:AlternateContent xmlns:mc="http://schemas.openxmlformats.org/markup-compatibility/2006" xmlns:a14="http://schemas.microsoft.com/office/drawing/2010/main">
+        <mc:Choice Requires="a14">
+          <p:sp>
+            <p:nvSpPr>
+              <p:cNvPr id="117" name="TextBox 116">
+                <a:extLst>
+                  <a:ext uri="{FF2B5EF4-FFF2-40B4-BE49-F238E27FC236}">
+                    <a16:creationId xmlns:a16="http://schemas.microsoft.com/office/drawing/2014/main" id="{CB723A3D-C0D5-D16A-2D98-0A83E6257F1A}"/>
+                  </a:ext>
+                </a:extLst>
+              </p:cNvPr>
+              <p:cNvSpPr txBox="1"/>
+              <p:nvPr/>
+            </p:nvSpPr>
+            <p:spPr>
+              <a:xfrm>
+                <a:off x="8263587" y="1962864"/>
+                <a:ext cx="240835" cy="276999"/>
+              </a:xfrm>
+              <a:prstGeom prst="rect">
+                <a:avLst/>
+              </a:prstGeom>
+              <a:noFill/>
+            </p:spPr>
+            <p:txBody>
+              <a:bodyPr wrap="none" lIns="0" tIns="0" rIns="0" bIns="0" rtlCol="0">
+                <a:spAutoFit/>
+              </a:bodyPr>
+              <a:lstStyle/>
+              <a:p>
+                <a:pPr/>
+                <a14:m>
+                  <m:oMathPara xmlns:m="http://schemas.openxmlformats.org/officeDocument/2006/math">
+                    <m:oMathParaPr>
+                      <m:jc m:val="centerGroup"/>
+                    </m:oMathParaPr>
+                    <m:oMath xmlns:m="http://schemas.openxmlformats.org/officeDocument/2006/math">
+                      <m:sSub>
+                        <m:sSubPr>
+                          <m:ctrlPr>
+                            <a:rPr lang="en-US" b="0" i="1" smtClean="0">
+                              <a:latin typeface="Cambria Math" panose="02040503050406030204" pitchFamily="18" charset="0"/>
+                            </a:rPr>
+                          </m:ctrlPr>
+                        </m:sSubPr>
+                        <m:e>
+                          <m:r>
+                            <a:rPr lang="en-US" b="0" i="1" smtClean="0">
+                              <a:latin typeface="Cambria Math" panose="02040503050406030204" pitchFamily="18" charset="0"/>
+                            </a:rPr>
+                            <m:t>𝑐</m:t>
+                          </m:r>
+                        </m:e>
+                        <m:sub>
+                          <m:r>
+                            <a:rPr lang="en-US" b="0" i="1" smtClean="0">
+                              <a:latin typeface="Cambria Math" panose="02040503050406030204" pitchFamily="18" charset="0"/>
+                            </a:rPr>
+                            <m:t>𝑡</m:t>
+                          </m:r>
+                        </m:sub>
+                      </m:sSub>
+                    </m:oMath>
+                  </m:oMathPara>
+                </a14:m>
+                <a:endParaRPr lang="en-US" dirty="0"/>
+              </a:p>
+            </p:txBody>
+          </p:sp>
+        </mc:Choice>
+        <mc:Fallback xmlns="">
+          <p:sp>
+            <p:nvSpPr>
+              <p:cNvPr id="117" name="TextBox 116">
+                <a:extLst>
+                  <a:ext uri="{FF2B5EF4-FFF2-40B4-BE49-F238E27FC236}">
+                    <a16:creationId xmlns:a16="http://schemas.microsoft.com/office/drawing/2014/main" id="{E808B50E-745E-5AF2-8FD8-ACBC5B31C18D}"/>
+                  </a:ext>
+                </a:extLst>
+              </p:cNvPr>
+              <p:cNvSpPr txBox="1">
+                <a:spLocks noRot="1" noChangeAspect="1" noMove="1" noResize="1" noEditPoints="1" noAdjustHandles="1" noChangeArrowheads="1" noChangeShapeType="1" noTextEdit="1"/>
+              </p:cNvSpPr>
+              <p:nvPr/>
+            </p:nvSpPr>
+            <p:spPr>
+              <a:xfrm>
+                <a:off x="8263587" y="1962864"/>
+                <a:ext cx="240835" cy="276999"/>
+              </a:xfrm>
+              <a:prstGeom prst="rect">
+                <a:avLst/>
+              </a:prstGeom>
+              <a:blipFill>
+                <a:blip r:embed="rId15"/>
+                <a:stretch>
+                  <a:fillRect l="-15385" r="-5128" b="-15556"/>
+                </a:stretch>
+              </a:blipFill>
+            </p:spPr>
+            <p:txBody>
+              <a:bodyPr/>
+              <a:lstStyle/>
+              <a:p>
+                <a:r>
+                  <a:rPr lang="en-US">
+                    <a:noFill/>
+                  </a:rPr>
+                  <a:t> </a:t>
+                </a:r>
+              </a:p>
+            </p:txBody>
+          </p:sp>
+        </mc:Fallback>
+      </mc:AlternateContent>
+      <mc:AlternateContent xmlns:mc="http://schemas.openxmlformats.org/markup-compatibility/2006" xmlns:a14="http://schemas.microsoft.com/office/drawing/2010/main">
+        <mc:Choice Requires="a14">
+          <p:sp>
+            <p:nvSpPr>
+              <p:cNvPr id="118" name="TextBox 117">
+                <a:extLst>
+                  <a:ext uri="{FF2B5EF4-FFF2-40B4-BE49-F238E27FC236}">
+                    <a16:creationId xmlns:a16="http://schemas.microsoft.com/office/drawing/2014/main" id="{C5B74DD5-2418-151F-4543-910E680C96B9}"/>
+                  </a:ext>
+                </a:extLst>
+              </p:cNvPr>
+              <p:cNvSpPr txBox="1"/>
+              <p:nvPr/>
+            </p:nvSpPr>
+            <p:spPr>
+              <a:xfrm>
+                <a:off x="8432035" y="4186126"/>
+                <a:ext cx="268920" cy="276999"/>
+              </a:xfrm>
+              <a:prstGeom prst="rect">
+                <a:avLst/>
+              </a:prstGeom>
+              <a:noFill/>
+            </p:spPr>
+            <p:txBody>
+              <a:bodyPr wrap="none" lIns="0" tIns="0" rIns="0" bIns="0" rtlCol="0">
+                <a:spAutoFit/>
+              </a:bodyPr>
+              <a:lstStyle/>
+              <a:p>
+                <a:pPr/>
+                <a14:m>
+                  <m:oMathPara xmlns:m="http://schemas.openxmlformats.org/officeDocument/2006/math">
+                    <m:oMathParaPr>
+                      <m:jc m:val="centerGroup"/>
+                    </m:oMathParaPr>
+                    <m:oMath xmlns:m="http://schemas.openxmlformats.org/officeDocument/2006/math">
+                      <m:sSub>
+                        <m:sSubPr>
+                          <m:ctrlPr>
+                            <a:rPr lang="en-US" b="0" i="1" smtClean="0">
+                              <a:latin typeface="Cambria Math" panose="02040503050406030204" pitchFamily="18" charset="0"/>
+                            </a:rPr>
+                          </m:ctrlPr>
+                        </m:sSubPr>
+                        <m:e>
+                          <m:r>
+                            <a:rPr lang="en-US" b="0" i="1" smtClean="0">
+                              <a:latin typeface="Cambria Math" panose="02040503050406030204" pitchFamily="18" charset="0"/>
+                            </a:rPr>
+                            <m:t>h</m:t>
+                          </m:r>
+                        </m:e>
+                        <m:sub>
+                          <m:r>
+                            <a:rPr lang="en-US" b="0" i="1" smtClean="0">
+                              <a:latin typeface="Cambria Math" panose="02040503050406030204" pitchFamily="18" charset="0"/>
+                            </a:rPr>
+                            <m:t>𝑡</m:t>
+                          </m:r>
+                        </m:sub>
+                      </m:sSub>
+                    </m:oMath>
+                  </m:oMathPara>
+                </a14:m>
+                <a:endParaRPr lang="en-US" dirty="0"/>
+              </a:p>
+            </p:txBody>
+          </p:sp>
+        </mc:Choice>
+        <mc:Fallback xmlns="">
+          <p:sp>
+            <p:nvSpPr>
+              <p:cNvPr id="118" name="TextBox 117">
+                <a:extLst>
+                  <a:ext uri="{FF2B5EF4-FFF2-40B4-BE49-F238E27FC236}">
+                    <a16:creationId xmlns:a16="http://schemas.microsoft.com/office/drawing/2014/main" id="{63CBCB8C-CFC6-648A-C1CB-6D49ECAFDECD}"/>
+                  </a:ext>
+                </a:extLst>
+              </p:cNvPr>
+              <p:cNvSpPr txBox="1">
+                <a:spLocks noRot="1" noChangeAspect="1" noMove="1" noResize="1" noEditPoints="1" noAdjustHandles="1" noChangeArrowheads="1" noChangeShapeType="1" noTextEdit="1"/>
+              </p:cNvSpPr>
+              <p:nvPr/>
+            </p:nvSpPr>
+            <p:spPr>
+              <a:xfrm>
+                <a:off x="8432035" y="4186126"/>
+                <a:ext cx="268920" cy="276999"/>
+              </a:xfrm>
+              <a:prstGeom prst="rect">
+                <a:avLst/>
+              </a:prstGeom>
+              <a:blipFill>
+                <a:blip r:embed="rId16"/>
+                <a:stretch>
+                  <a:fillRect l="-22727" r="-4545" b="-15556"/>
+                </a:stretch>
+              </a:blipFill>
+            </p:spPr>
+            <p:txBody>
+              <a:bodyPr/>
+              <a:lstStyle/>
+              <a:p>
+                <a:r>
+                  <a:rPr lang="en-US">
+                    <a:noFill/>
+                  </a:rPr>
+                  <a:t> </a:t>
+                </a:r>
+              </a:p>
+            </p:txBody>
+          </p:sp>
+        </mc:Fallback>
+      </mc:AlternateContent>
+      <p:cxnSp>
+        <p:nvCxnSpPr>
+          <p:cNvPr id="120" name="Straight Connector 119">
+            <a:extLst>
+              <a:ext uri="{FF2B5EF4-FFF2-40B4-BE49-F238E27FC236}">
+                <a16:creationId xmlns:a16="http://schemas.microsoft.com/office/drawing/2014/main" id="{23F1BEE9-F319-1E95-5397-60108CFC0D4D}"/>
+              </a:ext>
+            </a:extLst>
+          </p:cNvPr>
+          <p:cNvCxnSpPr>
+            <a:cxnSpLocks/>
+            <a:stCxn id="82" idx="6"/>
+          </p:cNvCxnSpPr>
+          <p:nvPr/>
+        </p:nvCxnSpPr>
+        <p:spPr>
+          <a:xfrm>
+            <a:off x="7417432" y="4301939"/>
+            <a:ext cx="304892" cy="0"/>
+          </a:xfrm>
+          <a:prstGeom prst="line">
+            <a:avLst/>
+          </a:prstGeom>
+        </p:spPr>
+        <p:style>
+          <a:lnRef idx="1">
+            <a:schemeClr val="accent1"/>
+          </a:lnRef>
+          <a:fillRef idx="0">
+            <a:schemeClr val="accent1"/>
+          </a:fillRef>
+          <a:effectRef idx="0">
+            <a:schemeClr val="accent1"/>
+          </a:effectRef>
+          <a:fontRef idx="minor">
+            <a:schemeClr val="tx1"/>
+          </a:fontRef>
+        </p:style>
+      </p:cxnSp>
+      <mc:AlternateContent xmlns:mc="http://schemas.openxmlformats.org/markup-compatibility/2006" xmlns:a14="http://schemas.microsoft.com/office/drawing/2010/main">
+        <mc:Choice Requires="a14">
+          <p:sp>
+            <p:nvSpPr>
+              <p:cNvPr id="137" name="TextBox 136">
+                <a:extLst>
+                  <a:ext uri="{FF2B5EF4-FFF2-40B4-BE49-F238E27FC236}">
+                    <a16:creationId xmlns:a16="http://schemas.microsoft.com/office/drawing/2014/main" id="{CD22F8D4-9404-D3CA-D793-3ECAB7BB6300}"/>
+                  </a:ext>
+                </a:extLst>
+              </p:cNvPr>
+              <p:cNvSpPr txBox="1"/>
+              <p:nvPr/>
+            </p:nvSpPr>
+            <p:spPr>
+              <a:xfrm>
+                <a:off x="7735565" y="968012"/>
+                <a:ext cx="268920" cy="276999"/>
+              </a:xfrm>
+              <a:prstGeom prst="rect">
+                <a:avLst/>
+              </a:prstGeom>
+              <a:noFill/>
+            </p:spPr>
+            <p:txBody>
+              <a:bodyPr wrap="none" lIns="0" tIns="0" rIns="0" bIns="0" rtlCol="0">
+                <a:spAutoFit/>
+              </a:bodyPr>
+              <a:lstStyle/>
+              <a:p>
+                <a:pPr/>
+                <a14:m>
+                  <m:oMathPara xmlns:m="http://schemas.openxmlformats.org/officeDocument/2006/math">
+                    <m:oMathParaPr>
+                      <m:jc m:val="centerGroup"/>
+                    </m:oMathParaPr>
+                    <m:oMath xmlns:m="http://schemas.openxmlformats.org/officeDocument/2006/math">
+                      <m:sSub>
+                        <m:sSubPr>
+                          <m:ctrlPr>
+                            <a:rPr lang="en-US" b="0" i="1" smtClean="0">
+                              <a:latin typeface="Cambria Math" panose="02040503050406030204" pitchFamily="18" charset="0"/>
+                            </a:rPr>
+                          </m:ctrlPr>
+                        </m:sSubPr>
+                        <m:e>
+                          <m:r>
+                            <a:rPr lang="en-US" b="0" i="1" smtClean="0">
+                              <a:latin typeface="Cambria Math" panose="02040503050406030204" pitchFamily="18" charset="0"/>
+                            </a:rPr>
+                            <m:t>h</m:t>
+                          </m:r>
+                        </m:e>
+                        <m:sub>
+                          <m:r>
+                            <a:rPr lang="en-US" b="0" i="1" smtClean="0">
+                              <a:latin typeface="Cambria Math" panose="02040503050406030204" pitchFamily="18" charset="0"/>
+                            </a:rPr>
+                            <m:t>𝑡</m:t>
+                          </m:r>
+                        </m:sub>
+                      </m:sSub>
+                    </m:oMath>
+                  </m:oMathPara>
+                </a14:m>
+                <a:endParaRPr lang="en-US" dirty="0"/>
+              </a:p>
+            </p:txBody>
+          </p:sp>
+        </mc:Choice>
+        <mc:Fallback xmlns="">
+          <p:sp>
+            <p:nvSpPr>
+              <p:cNvPr id="137" name="TextBox 136">
+                <a:extLst>
+                  <a:ext uri="{FF2B5EF4-FFF2-40B4-BE49-F238E27FC236}">
+                    <a16:creationId xmlns:a16="http://schemas.microsoft.com/office/drawing/2014/main" id="{9E01F870-D85C-B0FE-3482-490E8CA10C2D}"/>
+                  </a:ext>
+                </a:extLst>
+              </p:cNvPr>
+              <p:cNvSpPr txBox="1">
+                <a:spLocks noRot="1" noChangeAspect="1" noMove="1" noResize="1" noEditPoints="1" noAdjustHandles="1" noChangeArrowheads="1" noChangeShapeType="1" noTextEdit="1"/>
+              </p:cNvSpPr>
+              <p:nvPr/>
+            </p:nvSpPr>
+            <p:spPr>
+              <a:xfrm>
+                <a:off x="7735565" y="968012"/>
+                <a:ext cx="268920" cy="276999"/>
+              </a:xfrm>
+              <a:prstGeom prst="rect">
+                <a:avLst/>
+              </a:prstGeom>
+              <a:blipFill>
+                <a:blip r:embed="rId17"/>
+                <a:stretch>
+                  <a:fillRect l="-22727" r="-4545" b="-15556"/>
+                </a:stretch>
+              </a:blipFill>
+            </p:spPr>
+            <p:txBody>
+              <a:bodyPr/>
+              <a:lstStyle/>
+              <a:p>
+                <a:r>
+                  <a:rPr lang="en-US">
+                    <a:noFill/>
+                  </a:rPr>
+                  <a:t> </a:t>
+                </a:r>
+              </a:p>
+            </p:txBody>
+          </p:sp>
+        </mc:Fallback>
+      </mc:AlternateContent>
+      <p:sp>
+        <p:nvSpPr>
+          <p:cNvPr id="138" name="Rectangle: Rounded Corners 137">
+            <a:extLst>
+              <a:ext uri="{FF2B5EF4-FFF2-40B4-BE49-F238E27FC236}">
+                <a16:creationId xmlns:a16="http://schemas.microsoft.com/office/drawing/2014/main" id="{6CBE16AB-1152-1DEB-7C80-F2FBD1A830DE}"/>
+              </a:ext>
+            </a:extLst>
+          </p:cNvPr>
+          <p:cNvSpPr/>
+          <p:nvPr/>
+        </p:nvSpPr>
+        <p:spPr>
+          <a:xfrm>
+            <a:off x="3490174" y="1552192"/>
+            <a:ext cx="4623057" cy="3159437"/>
+          </a:xfrm>
+          <a:prstGeom prst="roundRect">
+            <a:avLst/>
+          </a:prstGeom>
+          <a:noFill/>
+          <a:ln>
+            <a:solidFill>
+              <a:schemeClr val="tx1"/>
+            </a:solidFill>
+          </a:ln>
+        </p:spPr>
+        <p:style>
+          <a:lnRef idx="2">
+            <a:schemeClr val="accent1">
+              <a:shade val="15000"/>
+            </a:schemeClr>
+          </a:lnRef>
+          <a:fillRef idx="1">
+            <a:schemeClr val="accent1"/>
+          </a:fillRef>
+          <a:effectRef idx="0">
+            <a:schemeClr val="accent1"/>
+          </a:effectRef>
+          <a:fontRef idx="minor">
+            <a:schemeClr val="lt1"/>
+          </a:fontRef>
+        </p:style>
+        <p:txBody>
+          <a:bodyPr rtlCol="0" anchor="ctr"/>
+          <a:lstStyle/>
+          <a:p>
+            <a:pPr algn="ctr"/>
+            <a:endParaRPr lang="en-US">
+              <a:ln>
+                <a:solidFill>
+                  <a:schemeClr val="tx1"/>
+                </a:solidFill>
+              </a:ln>
+            </a:endParaRPr>
+          </a:p>
+        </p:txBody>
+      </p:sp>
+      <p:cxnSp>
+        <p:nvCxnSpPr>
+          <p:cNvPr id="144" name="Straight Arrow Connector 143">
+            <a:extLst>
+              <a:ext uri="{FF2B5EF4-FFF2-40B4-BE49-F238E27FC236}">
+                <a16:creationId xmlns:a16="http://schemas.microsoft.com/office/drawing/2014/main" id="{8F04F4E3-10FD-8988-0CBA-A4919D3F7071}"/>
+              </a:ext>
+            </a:extLst>
+          </p:cNvPr>
+          <p:cNvCxnSpPr>
+            <a:cxnSpLocks/>
+          </p:cNvCxnSpPr>
+          <p:nvPr/>
+        </p:nvCxnSpPr>
+        <p:spPr>
+          <a:xfrm>
+            <a:off x="7722324" y="4301939"/>
+            <a:ext cx="662241" cy="0"/>
+          </a:xfrm>
+          <a:prstGeom prst="straightConnector1">
+            <a:avLst/>
+          </a:prstGeom>
+          <a:ln>
+            <a:tailEnd type="triangle"/>
+          </a:ln>
+        </p:spPr>
+        <p:style>
+          <a:lnRef idx="1">
+            <a:schemeClr val="accent1"/>
+          </a:lnRef>
+          <a:fillRef idx="0">
+            <a:schemeClr val="accent1"/>
+          </a:fillRef>
+          <a:effectRef idx="0">
+            <a:schemeClr val="accent1"/>
+          </a:effectRef>
+          <a:fontRef idx="minor">
+            <a:schemeClr val="tx1"/>
+          </a:fontRef>
+        </p:style>
+      </p:cxnSp>
+      <p:cxnSp>
+        <p:nvCxnSpPr>
+          <p:cNvPr id="151" name="Straight Arrow Connector 150">
+            <a:extLst>
+              <a:ext uri="{FF2B5EF4-FFF2-40B4-BE49-F238E27FC236}">
+                <a16:creationId xmlns:a16="http://schemas.microsoft.com/office/drawing/2014/main" id="{044F4438-FBDF-1842-9033-BAABF7E036D2}"/>
+              </a:ext>
+            </a:extLst>
+          </p:cNvPr>
+          <p:cNvCxnSpPr>
+            <a:cxnSpLocks/>
+            <a:endCxn id="137" idx="2"/>
+          </p:cNvCxnSpPr>
+          <p:nvPr/>
+        </p:nvCxnSpPr>
+        <p:spPr>
+          <a:xfrm flipH="1" flipV="1">
+            <a:off x="7870025" y="1245011"/>
+            <a:ext cx="7695" cy="3056265"/>
+          </a:xfrm>
+          <a:prstGeom prst="straightConnector1">
+            <a:avLst/>
+          </a:prstGeom>
+          <a:ln>
+            <a:tailEnd type="triangle"/>
+          </a:ln>
+        </p:spPr>
+        <p:style>
+          <a:lnRef idx="1">
+            <a:schemeClr val="accent1"/>
+          </a:lnRef>
+          <a:fillRef idx="0">
+            <a:schemeClr val="accent1"/>
+          </a:fillRef>
+          <a:effectRef idx="0">
+            <a:schemeClr val="accent1"/>
+          </a:effectRef>
+          <a:fontRef idx="minor">
+            <a:schemeClr val="tx1"/>
+          </a:fontRef>
+        </p:style>
+      </p:cxnSp>
+      <p:sp>
+        <p:nvSpPr>
+          <p:cNvPr id="154" name="Rectangle 153">
+            <a:extLst>
+              <a:ext uri="{FF2B5EF4-FFF2-40B4-BE49-F238E27FC236}">
+                <a16:creationId xmlns:a16="http://schemas.microsoft.com/office/drawing/2014/main" id="{E2C7665D-2E3E-74C6-D86D-ECBD1F9C0F65}"/>
+              </a:ext>
+            </a:extLst>
+          </p:cNvPr>
+          <p:cNvSpPr/>
+          <p:nvPr/>
+        </p:nvSpPr>
+        <p:spPr>
+          <a:xfrm>
+            <a:off x="4129968" y="3137134"/>
+            <a:ext cx="2201485" cy="438774"/>
+          </a:xfrm>
+          <a:prstGeom prst="rect">
+            <a:avLst/>
+          </a:prstGeom>
+          <a:solidFill>
+            <a:schemeClr val="accent4">
+              <a:alpha val="20000"/>
+            </a:schemeClr>
+          </a:solidFill>
+          <a:ln>
+            <a:noFill/>
+          </a:ln>
+        </p:spPr>
+        <p:style>
+          <a:lnRef idx="2">
+            <a:schemeClr val="accent1">
+              <a:shade val="15000"/>
+            </a:schemeClr>
+          </a:lnRef>
+          <a:fillRef idx="1">
+            <a:schemeClr val="accent1"/>
+          </a:fillRef>
+          <a:effectRef idx="0">
+            <a:schemeClr val="accent1"/>
+          </a:effectRef>
+          <a:fontRef idx="minor">
+            <a:schemeClr val="lt1"/>
+          </a:fontRef>
+        </p:style>
+        <p:txBody>
+          <a:bodyPr rtlCol="0" anchor="ctr"/>
+          <a:lstStyle/>
+          <a:p>
+            <a:pPr algn="ctr"/>
+            <a:endParaRPr lang="en-US"/>
+          </a:p>
+        </p:txBody>
+      </p:sp>
+      <p:sp>
+        <p:nvSpPr>
+          <p:cNvPr id="155" name="TextBox 154">
+            <a:extLst>
+              <a:ext uri="{FF2B5EF4-FFF2-40B4-BE49-F238E27FC236}">
+                <a16:creationId xmlns:a16="http://schemas.microsoft.com/office/drawing/2014/main" id="{1EC8B85D-9D66-D788-A653-ED7DC93A77DD}"/>
+              </a:ext>
+            </a:extLst>
+          </p:cNvPr>
+          <p:cNvSpPr txBox="1"/>
+          <p:nvPr/>
+        </p:nvSpPr>
+        <p:spPr>
+          <a:xfrm>
+            <a:off x="4124157" y="3101074"/>
+            <a:ext cx="1336409" cy="184666"/>
+          </a:xfrm>
+          <a:prstGeom prst="rect">
+            <a:avLst/>
+          </a:prstGeom>
+          <a:noFill/>
+        </p:spPr>
+        <p:txBody>
+          <a:bodyPr wrap="square" rtlCol="0">
+            <a:spAutoFit/>
+          </a:bodyPr>
+          <a:lstStyle/>
+          <a:p>
+            <a:r>
+              <a:rPr lang="en-US" sz="600" dirty="0"/>
+              <a:t>Compute input/forget/output gates</a:t>
+            </a:r>
+          </a:p>
+        </p:txBody>
+      </p:sp>
+      <p:sp>
+        <p:nvSpPr>
+          <p:cNvPr id="156" name="Rectangle 155">
+            <a:extLst>
+              <a:ext uri="{FF2B5EF4-FFF2-40B4-BE49-F238E27FC236}">
+                <a16:creationId xmlns:a16="http://schemas.microsoft.com/office/drawing/2014/main" id="{DE130F12-B182-A3E3-352A-5D74BA483F1D}"/>
+              </a:ext>
+            </a:extLst>
+          </p:cNvPr>
+          <p:cNvSpPr/>
+          <p:nvPr/>
+        </p:nvSpPr>
+        <p:spPr>
+          <a:xfrm>
+            <a:off x="3814989" y="1721641"/>
+            <a:ext cx="1212904" cy="615210"/>
+          </a:xfrm>
+          <a:prstGeom prst="rect">
+            <a:avLst/>
+          </a:prstGeom>
+          <a:solidFill>
+            <a:schemeClr val="accent4">
+              <a:alpha val="20000"/>
+            </a:schemeClr>
+          </a:solidFill>
+          <a:ln>
+            <a:noFill/>
+          </a:ln>
+        </p:spPr>
+        <p:style>
+          <a:lnRef idx="2">
+            <a:schemeClr val="accent1">
+              <a:shade val="15000"/>
+            </a:schemeClr>
+          </a:lnRef>
+          <a:fillRef idx="1">
+            <a:schemeClr val="accent1"/>
+          </a:fillRef>
+          <a:effectRef idx="0">
+            <a:schemeClr val="accent1"/>
+          </a:effectRef>
+          <a:fontRef idx="minor">
+            <a:schemeClr val="lt1"/>
+          </a:fontRef>
+        </p:style>
+        <p:txBody>
+          <a:bodyPr rtlCol="0" anchor="ctr"/>
+          <a:lstStyle/>
+          <a:p>
+            <a:pPr algn="ctr"/>
+            <a:endParaRPr lang="en-US"/>
+          </a:p>
+        </p:txBody>
+      </p:sp>
+      <p:sp>
+        <p:nvSpPr>
+          <p:cNvPr id="157" name="TextBox 156">
+            <a:extLst>
+              <a:ext uri="{FF2B5EF4-FFF2-40B4-BE49-F238E27FC236}">
+                <a16:creationId xmlns:a16="http://schemas.microsoft.com/office/drawing/2014/main" id="{9B0EA333-D5D9-F27F-6664-3AC56C41EB94}"/>
+              </a:ext>
+            </a:extLst>
+          </p:cNvPr>
+          <p:cNvSpPr txBox="1"/>
+          <p:nvPr/>
+        </p:nvSpPr>
+        <p:spPr>
+          <a:xfrm>
+            <a:off x="3730841" y="1721641"/>
+            <a:ext cx="1396689" cy="184666"/>
+          </a:xfrm>
+          <a:prstGeom prst="rect">
+            <a:avLst/>
+          </a:prstGeom>
+          <a:noFill/>
+        </p:spPr>
+        <p:txBody>
+          <a:bodyPr wrap="square" rtlCol="0">
+            <a:spAutoFit/>
+          </a:bodyPr>
+          <a:lstStyle/>
+          <a:p>
+            <a:r>
+              <a:rPr lang="en-US" sz="600" dirty="0"/>
+              <a:t>Forget information from previous cell</a:t>
+            </a:r>
+          </a:p>
+        </p:txBody>
+      </p:sp>
+      <p:sp>
+        <p:nvSpPr>
+          <p:cNvPr id="158" name="Rectangle 157">
+            <a:extLst>
+              <a:ext uri="{FF2B5EF4-FFF2-40B4-BE49-F238E27FC236}">
+                <a16:creationId xmlns:a16="http://schemas.microsoft.com/office/drawing/2014/main" id="{F12ECC8A-3340-E400-DFC0-B91C91AEB379}"/>
+              </a:ext>
+            </a:extLst>
+          </p:cNvPr>
+          <p:cNvSpPr/>
+          <p:nvPr/>
+        </p:nvSpPr>
+        <p:spPr>
+          <a:xfrm>
+            <a:off x="5211678" y="1731521"/>
+            <a:ext cx="1212904" cy="615210"/>
+          </a:xfrm>
+          <a:prstGeom prst="rect">
+            <a:avLst/>
+          </a:prstGeom>
+          <a:solidFill>
+            <a:schemeClr val="accent4">
+              <a:alpha val="20000"/>
+            </a:schemeClr>
+          </a:solidFill>
+          <a:ln>
+            <a:noFill/>
+          </a:ln>
+        </p:spPr>
+        <p:style>
+          <a:lnRef idx="2">
+            <a:schemeClr val="accent1">
+              <a:shade val="15000"/>
+            </a:schemeClr>
+          </a:lnRef>
+          <a:fillRef idx="1">
+            <a:schemeClr val="accent1"/>
+          </a:fillRef>
+          <a:effectRef idx="0">
+            <a:schemeClr val="accent1"/>
+          </a:effectRef>
+          <a:fontRef idx="minor">
+            <a:schemeClr val="lt1"/>
+          </a:fontRef>
+        </p:style>
+        <p:txBody>
+          <a:bodyPr rtlCol="0" anchor="ctr"/>
+          <a:lstStyle/>
+          <a:p>
+            <a:pPr algn="ctr"/>
+            <a:endParaRPr lang="en-US"/>
+          </a:p>
+        </p:txBody>
+      </p:sp>
+      <p:sp>
+        <p:nvSpPr>
+          <p:cNvPr id="159" name="TextBox 158">
+            <a:extLst>
+              <a:ext uri="{FF2B5EF4-FFF2-40B4-BE49-F238E27FC236}">
+                <a16:creationId xmlns:a16="http://schemas.microsoft.com/office/drawing/2014/main" id="{A5980CF6-DAFF-73F9-5AF2-FA2AEEE7DB17}"/>
+              </a:ext>
+            </a:extLst>
+          </p:cNvPr>
+          <p:cNvSpPr txBox="1"/>
+          <p:nvPr/>
+        </p:nvSpPr>
+        <p:spPr>
+          <a:xfrm>
+            <a:off x="5127530" y="1716151"/>
+            <a:ext cx="1396689" cy="184666"/>
+          </a:xfrm>
+          <a:prstGeom prst="rect">
+            <a:avLst/>
+          </a:prstGeom>
+          <a:noFill/>
+        </p:spPr>
+        <p:txBody>
+          <a:bodyPr wrap="square" rtlCol="0">
+            <a:spAutoFit/>
+          </a:bodyPr>
+          <a:lstStyle/>
+          <a:p>
+            <a:r>
+              <a:rPr lang="en-US" sz="600" dirty="0"/>
+              <a:t>Save new information to cell</a:t>
+            </a:r>
+          </a:p>
+        </p:txBody>
+      </p:sp>
+      <p:sp>
+        <p:nvSpPr>
+          <p:cNvPr id="160" name="Rectangle 159">
+            <a:extLst>
+              <a:ext uri="{FF2B5EF4-FFF2-40B4-BE49-F238E27FC236}">
+                <a16:creationId xmlns:a16="http://schemas.microsoft.com/office/drawing/2014/main" id="{785E4F3D-F904-C333-E4F0-5A2B02076453}"/>
+              </a:ext>
+            </a:extLst>
+          </p:cNvPr>
+          <p:cNvSpPr/>
+          <p:nvPr/>
+        </p:nvSpPr>
+        <p:spPr>
+          <a:xfrm>
+            <a:off x="6584218" y="2970892"/>
+            <a:ext cx="1212904" cy="1547322"/>
+          </a:xfrm>
+          <a:prstGeom prst="rect">
+            <a:avLst/>
+          </a:prstGeom>
+          <a:solidFill>
+            <a:schemeClr val="accent4">
+              <a:alpha val="20000"/>
+            </a:schemeClr>
+          </a:solidFill>
+          <a:ln>
+            <a:noFill/>
+          </a:ln>
+        </p:spPr>
+        <p:style>
+          <a:lnRef idx="2">
+            <a:schemeClr val="accent1">
+              <a:shade val="15000"/>
+            </a:schemeClr>
+          </a:lnRef>
+          <a:fillRef idx="1">
+            <a:schemeClr val="accent1"/>
+          </a:fillRef>
+          <a:effectRef idx="0">
+            <a:schemeClr val="accent1"/>
+          </a:effectRef>
+          <a:fontRef idx="minor">
+            <a:schemeClr val="lt1"/>
+          </a:fontRef>
+        </p:style>
+        <p:txBody>
+          <a:bodyPr rtlCol="0" anchor="ctr"/>
+          <a:lstStyle/>
+          <a:p>
+            <a:pPr algn="ctr"/>
+            <a:endParaRPr lang="en-US"/>
+          </a:p>
+        </p:txBody>
+      </p:sp>
+      <p:sp>
+        <p:nvSpPr>
+          <p:cNvPr id="161" name="TextBox 160">
+            <a:extLst>
+              <a:ext uri="{FF2B5EF4-FFF2-40B4-BE49-F238E27FC236}">
+                <a16:creationId xmlns:a16="http://schemas.microsoft.com/office/drawing/2014/main" id="{4EA5F499-E067-6163-E648-41B22F4BF755}"/>
+              </a:ext>
+            </a:extLst>
+          </p:cNvPr>
+          <p:cNvSpPr txBox="1"/>
+          <p:nvPr/>
+        </p:nvSpPr>
+        <p:spPr>
+          <a:xfrm>
+            <a:off x="6509624" y="2957650"/>
+            <a:ext cx="1396689" cy="184666"/>
+          </a:xfrm>
+          <a:prstGeom prst="rect">
+            <a:avLst/>
+          </a:prstGeom>
+          <a:noFill/>
+        </p:spPr>
+        <p:txBody>
+          <a:bodyPr wrap="square" rtlCol="0">
+            <a:spAutoFit/>
+          </a:bodyPr>
+          <a:lstStyle/>
+          <a:p>
+            <a:r>
+              <a:rPr lang="en-US" sz="600" dirty="0"/>
+              <a:t>Output information from cell state</a:t>
+            </a:r>
+          </a:p>
+        </p:txBody>
+      </p:sp>
+      <p:cxnSp>
+        <p:nvCxnSpPr>
+          <p:cNvPr id="190" name="Straight Arrow Connector 189">
+            <a:extLst>
+              <a:ext uri="{FF2B5EF4-FFF2-40B4-BE49-F238E27FC236}">
+                <a16:creationId xmlns:a16="http://schemas.microsoft.com/office/drawing/2014/main" id="{B9C5C092-1BE2-073F-08E3-808DA8448176}"/>
+              </a:ext>
+            </a:extLst>
+          </p:cNvPr>
+          <p:cNvCxnSpPr>
+            <a:cxnSpLocks/>
+            <a:endCxn id="117" idx="1"/>
+          </p:cNvCxnSpPr>
+          <p:nvPr/>
+        </p:nvCxnSpPr>
+        <p:spPr>
+          <a:xfrm flipV="1">
+            <a:off x="5660531" y="2101364"/>
+            <a:ext cx="2603056" cy="15703"/>
+          </a:xfrm>
+          <a:prstGeom prst="straightConnector1">
+            <a:avLst/>
+          </a:prstGeom>
+          <a:ln>
+            <a:tailEnd type="triangle"/>
+          </a:ln>
+        </p:spPr>
+        <p:style>
+          <a:lnRef idx="1">
+            <a:schemeClr val="accent1"/>
+          </a:lnRef>
+          <a:fillRef idx="0">
+            <a:schemeClr val="accent1"/>
+          </a:fillRef>
+          <a:effectRef idx="0">
+            <a:schemeClr val="accent1"/>
+          </a:effectRef>
+          <a:fontRef idx="minor">
+            <a:schemeClr val="tx1"/>
+          </a:fontRef>
+        </p:style>
+      </p:cxnSp>
+      <p:sp>
+        <p:nvSpPr>
+          <p:cNvPr id="196" name="Rectangle 195">
+            <a:extLst>
+              <a:ext uri="{FF2B5EF4-FFF2-40B4-BE49-F238E27FC236}">
+                <a16:creationId xmlns:a16="http://schemas.microsoft.com/office/drawing/2014/main" id="{BF45D9A4-77C4-55AA-8D40-0E471A416B51}"/>
+              </a:ext>
+            </a:extLst>
+          </p:cNvPr>
+          <p:cNvSpPr/>
+          <p:nvPr/>
+        </p:nvSpPr>
+        <p:spPr>
+          <a:xfrm>
+            <a:off x="7537467" y="829513"/>
+            <a:ext cx="536600" cy="610872"/>
+          </a:xfrm>
+          <a:prstGeom prst="rect">
+            <a:avLst/>
+          </a:prstGeom>
+          <a:solidFill>
+            <a:schemeClr val="accent4">
+              <a:alpha val="20000"/>
+            </a:schemeClr>
+          </a:solidFill>
+          <a:ln>
+            <a:noFill/>
+          </a:ln>
+        </p:spPr>
+        <p:style>
+          <a:lnRef idx="2">
+            <a:schemeClr val="accent1">
+              <a:shade val="15000"/>
+            </a:schemeClr>
+          </a:lnRef>
+          <a:fillRef idx="1">
+            <a:schemeClr val="accent1"/>
+          </a:fillRef>
+          <a:effectRef idx="0">
+            <a:schemeClr val="accent1"/>
+          </a:effectRef>
+          <a:fontRef idx="minor">
+            <a:schemeClr val="lt1"/>
+          </a:fontRef>
+        </p:style>
+        <p:txBody>
+          <a:bodyPr rtlCol="0" anchor="ctr"/>
+          <a:lstStyle/>
+          <a:p>
+            <a:pPr algn="ctr"/>
+            <a:endParaRPr lang="en-US"/>
+          </a:p>
+        </p:txBody>
+      </p:sp>
+      <p:sp>
+        <p:nvSpPr>
+          <p:cNvPr id="197" name="TextBox 196">
+            <a:extLst>
+              <a:ext uri="{FF2B5EF4-FFF2-40B4-BE49-F238E27FC236}">
+                <a16:creationId xmlns:a16="http://schemas.microsoft.com/office/drawing/2014/main" id="{D4146766-A66A-57B5-86F6-58197A1518A5}"/>
+              </a:ext>
+            </a:extLst>
+          </p:cNvPr>
+          <p:cNvSpPr txBox="1"/>
+          <p:nvPr/>
+        </p:nvSpPr>
+        <p:spPr>
+          <a:xfrm>
+            <a:off x="7537467" y="829513"/>
+            <a:ext cx="503301" cy="184666"/>
+          </a:xfrm>
+          <a:prstGeom prst="rect">
+            <a:avLst/>
+          </a:prstGeom>
+          <a:noFill/>
+        </p:spPr>
+        <p:txBody>
+          <a:bodyPr wrap="square" rtlCol="0">
+            <a:spAutoFit/>
+          </a:bodyPr>
+          <a:lstStyle/>
+          <a:p>
+            <a:r>
+              <a:rPr lang="en-US" sz="600" dirty="0"/>
+              <a:t>To output</a:t>
+            </a:r>
+          </a:p>
+        </p:txBody>
+      </p:sp>
+      <p:cxnSp>
+        <p:nvCxnSpPr>
+          <p:cNvPr id="12" name="Straight Connector 11">
+            <a:extLst>
+              <a:ext uri="{FF2B5EF4-FFF2-40B4-BE49-F238E27FC236}">
+                <a16:creationId xmlns:a16="http://schemas.microsoft.com/office/drawing/2014/main" id="{5A902A36-0AE4-B5D4-4126-F02734596E32}"/>
+              </a:ext>
+            </a:extLst>
+          </p:cNvPr>
+          <p:cNvCxnSpPr>
+            <a:cxnSpLocks/>
+          </p:cNvCxnSpPr>
+          <p:nvPr/>
+        </p:nvCxnSpPr>
+        <p:spPr>
+          <a:xfrm flipV="1">
+            <a:off x="3334154" y="4324626"/>
+            <a:ext cx="5664" cy="328654"/>
+          </a:xfrm>
+          <a:prstGeom prst="line">
+            <a:avLst/>
+          </a:prstGeom>
+        </p:spPr>
+        <p:style>
+          <a:lnRef idx="1">
+            <a:schemeClr val="accent1"/>
+          </a:lnRef>
+          <a:fillRef idx="0">
+            <a:schemeClr val="accent1"/>
+          </a:fillRef>
+          <a:effectRef idx="0">
+            <a:schemeClr val="accent1"/>
+          </a:effectRef>
+          <a:fontRef idx="minor">
+            <a:schemeClr val="tx1"/>
+          </a:fontRef>
+        </p:style>
+      </p:cxnSp>
+    </p:spTree>
+    <p:extLst>
+      <p:ext uri="{BB962C8B-B14F-4D97-AF65-F5344CB8AC3E}">
+        <p14:creationId xmlns:p14="http://schemas.microsoft.com/office/powerpoint/2010/main" val="2444883892"/>
+      </p:ext>
+    </p:extLst>
+  </p:cSld>
+  <p:clrMapOvr>
+    <a:masterClrMapping/>
+  </p:clrMapOvr>
+</p:sld>
+</file>
+
+<file path=ppt/slides/slide6.xml><?xml version="1.0" encoding="utf-8"?>
+<p:sld xmlns:a="http://schemas.openxmlformats.org/drawingml/2006/main" xmlns:r="http://schemas.openxmlformats.org/officeDocument/2006/relationships" xmlns:p="http://schemas.openxmlformats.org/presentationml/2006/main">
+  <p:cSld>
+    <p:spTree>
+      <p:nvGrpSpPr>
         <p:cNvPr id="1" name=""/>
         <p:cNvGrpSpPr/>
         <p:nvPr/>
@@ -18971,7 +22551,7 @@
 </p:sld>
 </file>
 
-<file path=ppt/slides/slide6.xml><?xml version="1.0" encoding="utf-8"?>
+<file path=ppt/slides/slide7.xml><?xml version="1.0" encoding="utf-8"?>
 <p:sld xmlns:a="http://schemas.openxmlformats.org/drawingml/2006/main" xmlns:r="http://schemas.openxmlformats.org/officeDocument/2006/relationships" xmlns:p="http://schemas.openxmlformats.org/presentationml/2006/main">
   <p:cSld>
     <p:spTree>
@@ -24249,7 +27829,7 @@
 </p:sld>
 </file>
 
-<file path=ppt/slides/slide7.xml><?xml version="1.0" encoding="utf-8"?>
+<file path=ppt/slides/slide8.xml><?xml version="1.0" encoding="utf-8"?>
 <p:sld xmlns:a="http://schemas.openxmlformats.org/drawingml/2006/main" xmlns:r="http://schemas.openxmlformats.org/officeDocument/2006/relationships" xmlns:p="http://schemas.openxmlformats.org/presentationml/2006/main">
   <p:cSld>
     <p:spTree>
@@ -30436,7 +34016,7 @@
 </p:sld>
 </file>
 
-<file path=ppt/slides/slide8.xml><?xml version="1.0" encoding="utf-8"?>
+<file path=ppt/slides/slide9.xml><?xml version="1.0" encoding="utf-8"?>
 <p:sld xmlns:a="http://schemas.openxmlformats.org/drawingml/2006/main" xmlns:r="http://schemas.openxmlformats.org/officeDocument/2006/relationships" xmlns:p="http://schemas.openxmlformats.org/presentationml/2006/main">
   <p:cSld>
     <p:spTree>
@@ -31686,8 +35266,8 @@
           </a:fontRef>
         </p:style>
       </p:cxnSp>
-      <mc:AlternateContent xmlns:mc="http://schemas.openxmlformats.org/markup-compatibility/2006">
-        <mc:Choice xmlns:a14="http://schemas.microsoft.com/office/drawing/2010/main" Requires="a14">
+      <mc:AlternateContent xmlns:mc="http://schemas.openxmlformats.org/markup-compatibility/2006" xmlns:a14="http://schemas.microsoft.com/office/drawing/2010/main">
+        <mc:Choice Requires="a14">
           <p:sp>
             <p:nvSpPr>
               <p:cNvPr id="58" name="TextBox 57">
@@ -31737,7 +35317,7 @@
             </p:txBody>
           </p:sp>
         </mc:Choice>
-        <mc:Fallback>
+        <mc:Fallback xmlns="">
           <p:sp>
             <p:nvSpPr>
               <p:cNvPr id="58" name="TextBox 57">
@@ -31782,8 +35362,8 @@
           </p:sp>
         </mc:Fallback>
       </mc:AlternateContent>
-      <mc:AlternateContent xmlns:mc="http://schemas.openxmlformats.org/markup-compatibility/2006">
-        <mc:Choice xmlns:a14="http://schemas.microsoft.com/office/drawing/2010/main" Requires="a14">
+      <mc:AlternateContent xmlns:mc="http://schemas.openxmlformats.org/markup-compatibility/2006" xmlns:a14="http://schemas.microsoft.com/office/drawing/2010/main">
+        <mc:Choice Requires="a14">
           <p:sp>
             <p:nvSpPr>
               <p:cNvPr id="59" name="TextBox 58">
@@ -31833,7 +35413,7 @@
             </p:txBody>
           </p:sp>
         </mc:Choice>
-        <mc:Fallback>
+        <mc:Fallback xmlns="">
           <p:sp>
             <p:nvSpPr>
               <p:cNvPr id="59" name="TextBox 58">
@@ -31878,8 +35458,8 @@
           </p:sp>
         </mc:Fallback>
       </mc:AlternateContent>
-      <mc:AlternateContent xmlns:mc="http://schemas.openxmlformats.org/markup-compatibility/2006">
-        <mc:Choice xmlns:a14="http://schemas.microsoft.com/office/drawing/2010/main" Requires="a14">
+      <mc:AlternateContent xmlns:mc="http://schemas.openxmlformats.org/markup-compatibility/2006" xmlns:a14="http://schemas.microsoft.com/office/drawing/2010/main">
+        <mc:Choice Requires="a14">
           <p:sp>
             <p:nvSpPr>
               <p:cNvPr id="60" name="TextBox 59">
@@ -31935,7 +35515,7 @@
             </p:txBody>
           </p:sp>
         </mc:Choice>
-        <mc:Fallback>
+        <mc:Fallback xmlns="">
           <p:sp>
             <p:nvSpPr>
               <p:cNvPr id="60" name="TextBox 59">
@@ -31980,8 +35560,8 @@
           </p:sp>
         </mc:Fallback>
       </mc:AlternateContent>
-      <mc:AlternateContent xmlns:mc="http://schemas.openxmlformats.org/markup-compatibility/2006">
-        <mc:Choice xmlns:a14="http://schemas.microsoft.com/office/drawing/2010/main" Requires="a14">
+      <mc:AlternateContent xmlns:mc="http://schemas.openxmlformats.org/markup-compatibility/2006" xmlns:a14="http://schemas.microsoft.com/office/drawing/2010/main">
+        <mc:Choice Requires="a14">
           <p:sp>
             <p:nvSpPr>
               <p:cNvPr id="61" name="TextBox 60">
@@ -32028,7 +35608,7 @@
             </p:txBody>
           </p:sp>
         </mc:Choice>
-        <mc:Fallback>
+        <mc:Fallback xmlns="">
           <p:sp>
             <p:nvSpPr>
               <p:cNvPr id="61" name="TextBox 60">
@@ -32393,8 +35973,8 @@
           </a:fontRef>
         </p:style>
       </p:cxnSp>
-      <mc:AlternateContent xmlns:mc="http://schemas.openxmlformats.org/markup-compatibility/2006">
-        <mc:Choice xmlns:a14="http://schemas.microsoft.com/office/drawing/2010/main" Requires="a14">
+      <mc:AlternateContent xmlns:mc="http://schemas.openxmlformats.org/markup-compatibility/2006" xmlns:a14="http://schemas.microsoft.com/office/drawing/2010/main">
+        <mc:Choice Requires="a14">
           <p:sp>
             <p:nvSpPr>
               <p:cNvPr id="124" name="TextBox 123">
@@ -32456,7 +36036,7 @@
             </p:txBody>
           </p:sp>
         </mc:Choice>
-        <mc:Fallback>
+        <mc:Fallback xmlns="">
           <p:sp>
             <p:nvSpPr>
               <p:cNvPr id="124" name="TextBox 123">
@@ -32547,8 +36127,8 @@
           </a:fontRef>
         </p:style>
       </p:cxnSp>
-      <mc:AlternateContent xmlns:mc="http://schemas.openxmlformats.org/markup-compatibility/2006">
-        <mc:Choice xmlns:a14="http://schemas.microsoft.com/office/drawing/2010/main" Requires="a14">
+      <mc:AlternateContent xmlns:mc="http://schemas.openxmlformats.org/markup-compatibility/2006" xmlns:a14="http://schemas.microsoft.com/office/drawing/2010/main">
+        <mc:Choice Requires="a14">
           <p:sp>
             <p:nvSpPr>
               <p:cNvPr id="129" name="TextBox 128">
@@ -32641,7 +36221,7 @@
             </p:txBody>
           </p:sp>
         </mc:Choice>
-        <mc:Fallback>
+        <mc:Fallback xmlns="">
           <p:sp>
             <p:nvSpPr>
               <p:cNvPr id="129" name="TextBox 128">
@@ -32730,8 +36310,8 @@
           </a:fontRef>
         </p:style>
       </p:cxnSp>
-      <mc:AlternateContent xmlns:mc="http://schemas.openxmlformats.org/markup-compatibility/2006">
-        <mc:Choice xmlns:a14="http://schemas.microsoft.com/office/drawing/2010/main" Requires="a14">
+      <mc:AlternateContent xmlns:mc="http://schemas.openxmlformats.org/markup-compatibility/2006" xmlns:a14="http://schemas.microsoft.com/office/drawing/2010/main">
+        <mc:Choice Requires="a14">
           <p:sp>
             <p:nvSpPr>
               <p:cNvPr id="135" name="TextBox 134">
@@ -32781,7 +36361,7 @@
             </p:txBody>
           </p:sp>
         </mc:Choice>
-        <mc:Fallback>
+        <mc:Fallback xmlns="">
           <p:sp>
             <p:nvSpPr>
               <p:cNvPr id="135" name="TextBox 134">
